--- a/3.项目PPT/第11周_开发进展汇报.pptx
+++ b/3.项目PPT/第11周_开发进展汇报.pptx
@@ -138,7 +138,7 @@
 <file path=ppt/charts/chart1.xml><?xml version="1.0" encoding="utf-8"?>
 <c:chartSpace xmlns:c="http://schemas.openxmlformats.org/drawingml/2006/chart" xmlns:a="http://schemas.openxmlformats.org/drawingml/2006/main" xmlns:r="http://schemas.openxmlformats.org/officeDocument/2006/relationships" xmlns:c16r2="http://schemas.microsoft.com/office/drawing/2015/06/chart">
   <c:date1904 val="0"/>
-  <c:lang val="zh-CN"/>
+  <c:lang val="en-US"/>
   <c:roundedCorners val="0"/>
   <mc:AlternateContent xmlns:mc="http://schemas.openxmlformats.org/markup-compatibility/2006">
     <mc:Choice xmlns:c14="http://schemas.microsoft.com/office/drawing/2007/8/2/chart" Requires="c14">
@@ -410,7 +410,6 @@
               </a:p>
             </c:rich>
           </c:tx>
-          <c:layout/>
           <c:overlay val="0"/>
           <c:spPr>
             <a:noFill/>
@@ -486,7 +485,6 @@
     </c:plotArea>
     <c:legend>
       <c:legendPos val="b"/>
-      <c:layout/>
       <c:overlay val="0"/>
       <c:spPr>
         <a:noFill/>
@@ -546,7 +544,7 @@
 <file path=ppt/charts/chart10.xml><?xml version="1.0" encoding="utf-8"?>
 <c:chartSpace xmlns:c="http://schemas.openxmlformats.org/drawingml/2006/chart" xmlns:a="http://schemas.openxmlformats.org/drawingml/2006/main" xmlns:r="http://schemas.openxmlformats.org/officeDocument/2006/relationships" xmlns:c16r2="http://schemas.microsoft.com/office/drawing/2015/06/chart">
   <c:date1904 val="0"/>
-  <c:lang val="zh-CN"/>
+  <c:lang val="en-US"/>
   <c:roundedCorners val="0"/>
   <mc:AlternateContent xmlns:mc="http://schemas.openxmlformats.org/markup-compatibility/2006">
     <mc:Choice xmlns:c14="http://schemas.microsoft.com/office/drawing/2007/8/2/chart" Requires="c14">
@@ -1031,7 +1029,7 @@
 <file path=ppt/charts/chart2.xml><?xml version="1.0" encoding="utf-8"?>
 <c:chartSpace xmlns:c="http://schemas.openxmlformats.org/drawingml/2006/chart" xmlns:a="http://schemas.openxmlformats.org/drawingml/2006/main" xmlns:r="http://schemas.openxmlformats.org/officeDocument/2006/relationships" xmlns:c16r2="http://schemas.microsoft.com/office/drawing/2015/06/chart">
   <c:date1904 val="0"/>
-  <c:lang val="zh-CN"/>
+  <c:lang val="en-US"/>
   <c:roundedCorners val="0"/>
   <mc:AlternateContent xmlns:mc="http://schemas.openxmlformats.org/markup-compatibility/2006">
     <mc:Choice xmlns:c14="http://schemas.microsoft.com/office/drawing/2007/8/2/chart" Requires="c14">
@@ -1303,7 +1301,6 @@
               </a:p>
             </c:rich>
           </c:tx>
-          <c:layout/>
           <c:overlay val="0"/>
           <c:spPr>
             <a:noFill/>
@@ -1379,7 +1376,6 @@
     </c:plotArea>
     <c:legend>
       <c:legendPos val="b"/>
-      <c:layout/>
       <c:overlay val="0"/>
       <c:spPr>
         <a:noFill/>
@@ -1439,7 +1435,7 @@
 <file path=ppt/charts/chart3.xml><?xml version="1.0" encoding="utf-8"?>
 <c:chartSpace xmlns:c="http://schemas.openxmlformats.org/drawingml/2006/chart" xmlns:a="http://schemas.openxmlformats.org/drawingml/2006/main" xmlns:r="http://schemas.openxmlformats.org/officeDocument/2006/relationships" xmlns:c16r2="http://schemas.microsoft.com/office/drawing/2015/06/chart">
   <c:date1904 val="0"/>
-  <c:lang val="zh-CN"/>
+  <c:lang val="en-US"/>
   <c:roundedCorners val="0"/>
   <mc:AlternateContent xmlns:mc="http://schemas.openxmlformats.org/markup-compatibility/2006">
     <mc:Choice xmlns:c14="http://schemas.microsoft.com/office/drawing/2007/8/2/chart" Requires="c14">
@@ -1729,7 +1725,6 @@
               </a:p>
             </c:rich>
           </c:tx>
-          <c:layout/>
           <c:overlay val="0"/>
           <c:spPr>
             <a:noFill/>
@@ -1805,7 +1800,6 @@
     </c:plotArea>
     <c:legend>
       <c:legendPos val="b"/>
-      <c:layout/>
       <c:overlay val="0"/>
       <c:spPr>
         <a:noFill/>
@@ -1865,7 +1859,7 @@
 <file path=ppt/charts/chart4.xml><?xml version="1.0" encoding="utf-8"?>
 <c:chartSpace xmlns:c="http://schemas.openxmlformats.org/drawingml/2006/chart" xmlns:a="http://schemas.openxmlformats.org/drawingml/2006/main" xmlns:r="http://schemas.openxmlformats.org/officeDocument/2006/relationships" xmlns:c16r2="http://schemas.microsoft.com/office/drawing/2015/06/chart">
   <c:date1904 val="0"/>
-  <c:lang val="zh-CN"/>
+  <c:lang val="en-US"/>
   <c:roundedCorners val="0"/>
   <mc:AlternateContent xmlns:mc="http://schemas.openxmlformats.org/markup-compatibility/2006">
     <mc:Choice xmlns:c14="http://schemas.microsoft.com/office/drawing/2007/8/2/chart" Requires="c14">
@@ -2155,7 +2149,6 @@
               </a:p>
             </c:rich>
           </c:tx>
-          <c:layout/>
           <c:overlay val="0"/>
           <c:spPr>
             <a:noFill/>
@@ -2231,7 +2224,6 @@
     </c:plotArea>
     <c:legend>
       <c:legendPos val="b"/>
-      <c:layout/>
       <c:overlay val="0"/>
       <c:spPr>
         <a:noFill/>
@@ -2291,7 +2283,7 @@
 <file path=ppt/charts/chart5.xml><?xml version="1.0" encoding="utf-8"?>
 <c:chartSpace xmlns:c="http://schemas.openxmlformats.org/drawingml/2006/chart" xmlns:a="http://schemas.openxmlformats.org/drawingml/2006/main" xmlns:r="http://schemas.openxmlformats.org/officeDocument/2006/relationships" xmlns:c16r2="http://schemas.microsoft.com/office/drawing/2015/06/chart">
   <c:date1904 val="0"/>
-  <c:lang val="zh-CN"/>
+  <c:lang val="en-US"/>
   <c:roundedCorners val="0"/>
   <mc:AlternateContent xmlns:mc="http://schemas.openxmlformats.org/markup-compatibility/2006">
     <mc:Choice xmlns:c14="http://schemas.microsoft.com/office/drawing/2007/8/2/chart" Requires="c14">
@@ -2599,7 +2591,6 @@
               </a:p>
             </c:rich>
           </c:tx>
-          <c:layout/>
           <c:overlay val="0"/>
           <c:spPr>
             <a:noFill/>
@@ -2675,7 +2666,6 @@
     </c:plotArea>
     <c:legend>
       <c:legendPos val="b"/>
-      <c:layout/>
       <c:overlay val="0"/>
       <c:spPr>
         <a:noFill/>
@@ -2735,7 +2725,7 @@
 <file path=ppt/charts/chart6.xml><?xml version="1.0" encoding="utf-8"?>
 <c:chartSpace xmlns:c="http://schemas.openxmlformats.org/drawingml/2006/chart" xmlns:a="http://schemas.openxmlformats.org/drawingml/2006/main" xmlns:r="http://schemas.openxmlformats.org/officeDocument/2006/relationships" xmlns:c16r2="http://schemas.microsoft.com/office/drawing/2015/06/chart">
   <c:date1904 val="0"/>
-  <c:lang val="zh-CN"/>
+  <c:lang val="en-US"/>
   <c:roundedCorners val="0"/>
   <mc:AlternateContent xmlns:mc="http://schemas.openxmlformats.org/markup-compatibility/2006">
     <mc:Choice xmlns:c14="http://schemas.microsoft.com/office/drawing/2007/8/2/chart" Requires="c14">
@@ -3043,7 +3033,6 @@
               </a:p>
             </c:rich>
           </c:tx>
-          <c:layout/>
           <c:overlay val="0"/>
           <c:spPr>
             <a:noFill/>
@@ -3119,7 +3108,6 @@
     </c:plotArea>
     <c:legend>
       <c:legendPos val="b"/>
-      <c:layout/>
       <c:overlay val="0"/>
       <c:spPr>
         <a:noFill/>
@@ -3179,7 +3167,7 @@
 <file path=ppt/charts/chart7.xml><?xml version="1.0" encoding="utf-8"?>
 <c:chartSpace xmlns:c="http://schemas.openxmlformats.org/drawingml/2006/chart" xmlns:a="http://schemas.openxmlformats.org/drawingml/2006/main" xmlns:r="http://schemas.openxmlformats.org/officeDocument/2006/relationships" xmlns:c16r2="http://schemas.microsoft.com/office/drawing/2015/06/chart">
   <c:date1904 val="0"/>
-  <c:lang val="zh-CN"/>
+  <c:lang val="en-US"/>
   <c:roundedCorners val="0"/>
   <mc:AlternateContent xmlns:mc="http://schemas.openxmlformats.org/markup-compatibility/2006">
     <mc:Choice xmlns:c14="http://schemas.microsoft.com/office/drawing/2007/8/2/chart" Requires="c14">
@@ -3505,7 +3493,6 @@
               </a:p>
             </c:rich>
           </c:tx>
-          <c:layout/>
           <c:overlay val="0"/>
           <c:spPr>
             <a:noFill/>
@@ -3581,7 +3568,6 @@
     </c:plotArea>
     <c:legend>
       <c:legendPos val="b"/>
-      <c:layout/>
       <c:overlay val="0"/>
       <c:spPr>
         <a:noFill/>
@@ -3641,7 +3627,7 @@
 <file path=ppt/charts/chart8.xml><?xml version="1.0" encoding="utf-8"?>
 <c:chartSpace xmlns:c="http://schemas.openxmlformats.org/drawingml/2006/chart" xmlns:a="http://schemas.openxmlformats.org/drawingml/2006/main" xmlns:r="http://schemas.openxmlformats.org/officeDocument/2006/relationships" xmlns:c16r2="http://schemas.microsoft.com/office/drawing/2015/06/chart">
   <c:date1904 val="0"/>
-  <c:lang val="zh-CN"/>
+  <c:lang val="en-US"/>
   <c:roundedCorners val="0"/>
   <mc:AlternateContent xmlns:mc="http://schemas.openxmlformats.org/markup-compatibility/2006">
     <mc:Choice xmlns:c14="http://schemas.microsoft.com/office/drawing/2007/8/2/chart" Requires="c14">
@@ -3967,7 +3953,6 @@
               </a:p>
             </c:rich>
           </c:tx>
-          <c:layout/>
           <c:overlay val="0"/>
           <c:spPr>
             <a:noFill/>
@@ -4043,7 +4028,6 @@
     </c:plotArea>
     <c:legend>
       <c:legendPos val="b"/>
-      <c:layout/>
       <c:overlay val="0"/>
       <c:spPr>
         <a:noFill/>
@@ -4103,7 +4087,7 @@
 <file path=ppt/charts/chart9.xml><?xml version="1.0" encoding="utf-8"?>
 <c:chartSpace xmlns:c="http://schemas.openxmlformats.org/drawingml/2006/chart" xmlns:a="http://schemas.openxmlformats.org/drawingml/2006/main" xmlns:r="http://schemas.openxmlformats.org/officeDocument/2006/relationships" xmlns:c16r2="http://schemas.microsoft.com/office/drawing/2015/06/chart">
   <c:date1904 val="0"/>
-  <c:lang val="zh-CN"/>
+  <c:lang val="en-US"/>
   <c:roundedCorners val="0"/>
   <mc:AlternateContent xmlns:mc="http://schemas.openxmlformats.org/markup-compatibility/2006">
     <mc:Choice xmlns:c14="http://schemas.microsoft.com/office/drawing/2007/8/2/chart" Requires="c14">
@@ -11848,13 +11832,6 @@
         </dgm:presLayoutVars>
       </dgm:prSet>
       <dgm:spPr/>
-      <dgm:t>
-        <a:bodyPr/>
-        <a:lstStyle/>
-        <a:p>
-          <a:endParaRPr lang="zh-CN" altLang="en-US"/>
-        </a:p>
-      </dgm:t>
     </dgm:pt>
     <dgm:pt modelId="{0A77EBBF-6643-4C6E-8070-32B559A7D4B1}" type="pres">
       <dgm:prSet presAssocID="{2193B6A0-5E22-483F-9FE3-F3BD22EF00FD}" presName="circleA" presStyleLbl="node1" presStyleIdx="0" presStyleCnt="8"/>
@@ -11879,13 +11856,6 @@
         </dgm:presLayoutVars>
       </dgm:prSet>
       <dgm:spPr/>
-      <dgm:t>
-        <a:bodyPr/>
-        <a:lstStyle/>
-        <a:p>
-          <a:endParaRPr lang="zh-CN" altLang="en-US"/>
-        </a:p>
-      </dgm:t>
     </dgm:pt>
     <dgm:pt modelId="{33BD2ECA-02F9-4E11-B458-660A4C49EF0E}" type="pres">
       <dgm:prSet presAssocID="{4C4A5689-32C6-4090-BAAC-FE4576F16DBC}" presName="circleB" presStyleLbl="node1" presStyleIdx="1" presStyleCnt="8"/>
@@ -11910,13 +11880,6 @@
         </dgm:presLayoutVars>
       </dgm:prSet>
       <dgm:spPr/>
-      <dgm:t>
-        <a:bodyPr/>
-        <a:lstStyle/>
-        <a:p>
-          <a:endParaRPr lang="zh-CN" altLang="en-US"/>
-        </a:p>
-      </dgm:t>
     </dgm:pt>
     <dgm:pt modelId="{471FFFE5-19E8-4B4B-91C4-E5B778CE227E}" type="pres">
       <dgm:prSet presAssocID="{D43D7B9B-00CF-489A-9348-572FAE1C5E88}" presName="circleA" presStyleLbl="node1" presStyleIdx="2" presStyleCnt="8"/>
@@ -11941,13 +11904,6 @@
         </dgm:presLayoutVars>
       </dgm:prSet>
       <dgm:spPr/>
-      <dgm:t>
-        <a:bodyPr/>
-        <a:lstStyle/>
-        <a:p>
-          <a:endParaRPr lang="zh-CN" altLang="en-US"/>
-        </a:p>
-      </dgm:t>
     </dgm:pt>
     <dgm:pt modelId="{4834349B-8CBE-415E-B456-192CE2487841}" type="pres">
       <dgm:prSet presAssocID="{C2BFA11C-20D0-4CAC-B6BA-2AE629EFDB25}" presName="circleB" presStyleLbl="node1" presStyleIdx="3" presStyleCnt="8"/>
@@ -11972,13 +11928,6 @@
         </dgm:presLayoutVars>
       </dgm:prSet>
       <dgm:spPr/>
-      <dgm:t>
-        <a:bodyPr/>
-        <a:lstStyle/>
-        <a:p>
-          <a:endParaRPr lang="zh-CN" altLang="en-US"/>
-        </a:p>
-      </dgm:t>
     </dgm:pt>
     <dgm:pt modelId="{C3E568A8-27B2-4804-BD98-66D3AD2180B8}" type="pres">
       <dgm:prSet presAssocID="{5E6C20B8-47C8-4E12-8DE0-F92741584F22}" presName="circleA" presStyleLbl="node1" presStyleIdx="4" presStyleCnt="8"/>
@@ -12003,13 +11952,6 @@
         </dgm:presLayoutVars>
       </dgm:prSet>
       <dgm:spPr/>
-      <dgm:t>
-        <a:bodyPr/>
-        <a:lstStyle/>
-        <a:p>
-          <a:endParaRPr lang="zh-CN" altLang="en-US"/>
-        </a:p>
-      </dgm:t>
     </dgm:pt>
     <dgm:pt modelId="{C518B25A-349D-4709-94D0-12E54BA24717}" type="pres">
       <dgm:prSet presAssocID="{BCA9DB20-9C8D-42C7-92D5-80BCB346F833}" presName="circleB" presStyleLbl="node1" presStyleIdx="5" presStyleCnt="8"/>
@@ -12034,13 +11976,6 @@
         </dgm:presLayoutVars>
       </dgm:prSet>
       <dgm:spPr/>
-      <dgm:t>
-        <a:bodyPr/>
-        <a:lstStyle/>
-        <a:p>
-          <a:endParaRPr lang="zh-CN" altLang="en-US"/>
-        </a:p>
-      </dgm:t>
     </dgm:pt>
     <dgm:pt modelId="{E11C7B4A-F62A-44EB-9A7D-CC14C0A9BAA6}" type="pres">
       <dgm:prSet presAssocID="{6A7F652D-5849-4768-9D07-A015388E3502}" presName="circleA" presStyleLbl="node1" presStyleIdx="6" presStyleCnt="8"/>
@@ -12065,13 +12000,6 @@
         </dgm:presLayoutVars>
       </dgm:prSet>
       <dgm:spPr/>
-      <dgm:t>
-        <a:bodyPr/>
-        <a:lstStyle/>
-        <a:p>
-          <a:endParaRPr lang="zh-CN" altLang="en-US"/>
-        </a:p>
-      </dgm:t>
     </dgm:pt>
     <dgm:pt modelId="{E698613D-9D72-4037-AA1A-EB599FC9DE0E}" type="pres">
       <dgm:prSet presAssocID="{DD014AAF-8215-4A7C-B127-F7C604F4FA06}" presName="circleB" presStyleLbl="node1" presStyleIdx="7" presStyleCnt="8"/>
@@ -12083,23 +12011,23 @@
     </dgm:pt>
   </dgm:ptLst>
   <dgm:cxnLst>
-    <dgm:cxn modelId="{83F81082-24E0-4E69-817B-F7C29648C801}" srcId="{AA0AC35B-BC3B-46FD-996B-C298D3AA31EE}" destId="{DD014AAF-8215-4A7C-B127-F7C604F4FA06}" srcOrd="7" destOrd="0" parTransId="{321C7E79-7428-4BE7-9340-A49AE2C4E165}" sibTransId="{B1CCF304-765B-4DF8-8DBC-078509C42369}"/>
-    <dgm:cxn modelId="{0C7536FE-A22D-45A9-8D3D-90949D2437A7}" type="presOf" srcId="{5E6C20B8-47C8-4E12-8DE0-F92741584F22}" destId="{E1394715-B0B1-4276-A687-B7539C91D95B}" srcOrd="0" destOrd="0" presId="urn:microsoft.com/office/officeart/2005/8/layout/hProcess11"/>
-    <dgm:cxn modelId="{9B95C0CB-7D60-4166-AE42-41A5C7D40BA7}" type="presOf" srcId="{BCA9DB20-9C8D-42C7-92D5-80BCB346F833}" destId="{85E23AAC-EEAD-4EC5-AD02-3C182EEE217C}" srcOrd="0" destOrd="0" presId="urn:microsoft.com/office/officeart/2005/8/layout/hProcess11"/>
-    <dgm:cxn modelId="{FFCDE449-B670-4447-86AB-62B663297B67}" type="presOf" srcId="{AA0AC35B-BC3B-46FD-996B-C298D3AA31EE}" destId="{3D43A0DE-AD5A-4D9F-920B-0F857DD6E16C}" srcOrd="0" destOrd="0" presId="urn:microsoft.com/office/officeart/2005/8/layout/hProcess11"/>
-    <dgm:cxn modelId="{28A5B5CC-37D2-4110-B647-E360FFE8DA82}" srcId="{AA0AC35B-BC3B-46FD-996B-C298D3AA31EE}" destId="{C2BFA11C-20D0-4CAC-B6BA-2AE629EFDB25}" srcOrd="3" destOrd="0" parTransId="{5B24556D-61BB-498F-AF0B-1A4B6CCF189E}" sibTransId="{E0569B85-A202-495C-A2D9-C56F6520EBC6}"/>
-    <dgm:cxn modelId="{C01DC7B6-840E-4110-93FE-7869CBD62DAF}" type="presOf" srcId="{6A7F652D-5849-4768-9D07-A015388E3502}" destId="{9D9FC7BC-3DA3-4FD7-8964-E769E671A4AC}" srcOrd="0" destOrd="0" presId="urn:microsoft.com/office/officeart/2005/8/layout/hProcess11"/>
+    <dgm:cxn modelId="{F185B31C-BF81-4F13-BB93-DFFC02B9F17A}" srcId="{AA0AC35B-BC3B-46FD-996B-C298D3AA31EE}" destId="{4C4A5689-32C6-4090-BAAC-FE4576F16DBC}" srcOrd="1" destOrd="0" parTransId="{BBBCC95A-747C-4C59-BD5C-416284ABF225}" sibTransId="{5BED4154-BDAF-46B1-9692-5D70670D1244}"/>
     <dgm:cxn modelId="{BEE88C23-A632-4B0A-B5CC-1010C61F5F30}" type="presOf" srcId="{C2BFA11C-20D0-4CAC-B6BA-2AE629EFDB25}" destId="{AFFF0CFC-9272-45A3-BF56-EF80D8530870}" srcOrd="0" destOrd="0" presId="urn:microsoft.com/office/officeart/2005/8/layout/hProcess11"/>
-    <dgm:cxn modelId="{F185B31C-BF81-4F13-BB93-DFFC02B9F17A}" srcId="{AA0AC35B-BC3B-46FD-996B-C298D3AA31EE}" destId="{4C4A5689-32C6-4090-BAAC-FE4576F16DBC}" srcOrd="1" destOrd="0" parTransId="{BBBCC95A-747C-4C59-BD5C-416284ABF225}" sibTransId="{5BED4154-BDAF-46B1-9692-5D70670D1244}"/>
     <dgm:cxn modelId="{CAE4142A-F533-4F2F-A0BD-A62D796EDC1B}" srcId="{AA0AC35B-BC3B-46FD-996B-C298D3AA31EE}" destId="{BCA9DB20-9C8D-42C7-92D5-80BCB346F833}" srcOrd="5" destOrd="0" parTransId="{756B4818-F394-4AB0-959A-02B4F70B8788}" sibTransId="{D62487F7-26AA-415F-8447-C0698B35F012}"/>
-    <dgm:cxn modelId="{78AD8FF5-BCDD-4AA3-B2CA-52894C0AFFF7}" srcId="{AA0AC35B-BC3B-46FD-996B-C298D3AA31EE}" destId="{5E6C20B8-47C8-4E12-8DE0-F92741584F22}" srcOrd="4" destOrd="0" parTransId="{E5946EA0-F5DB-437E-9CA2-EF7E4A6F162F}" sibTransId="{E00D7874-E4AA-4D7F-8519-C8C707221B20}"/>
-    <dgm:cxn modelId="{CCDDB69E-5197-48F0-8343-38A670ACFAFE}" type="presOf" srcId="{4C4A5689-32C6-4090-BAAC-FE4576F16DBC}" destId="{C63675F1-F25A-41C5-9B73-F4A0ED854620}" srcOrd="0" destOrd="0" presId="urn:microsoft.com/office/officeart/2005/8/layout/hProcess11"/>
-    <dgm:cxn modelId="{73236DDB-BFB9-4FD8-99CF-1B0F962E7BC3}" srcId="{AA0AC35B-BC3B-46FD-996B-C298D3AA31EE}" destId="{6A7F652D-5849-4768-9D07-A015388E3502}" srcOrd="6" destOrd="0" parTransId="{B6C9F434-E8E3-4D15-8C6F-24DEFAD524D2}" sibTransId="{A47E0DF2-3211-4AEF-8DB2-3FF3CFE48E77}"/>
     <dgm:cxn modelId="{13ED233D-CF46-4652-BA19-AF8E467E7BE3}" srcId="{AA0AC35B-BC3B-46FD-996B-C298D3AA31EE}" destId="{D43D7B9B-00CF-489A-9348-572FAE1C5E88}" srcOrd="2" destOrd="0" parTransId="{F66BA341-3391-4C22-BB32-34F7931211E0}" sibTransId="{B84C525F-816A-49AE-A811-C74B732FA5F9}"/>
     <dgm:cxn modelId="{50F45F67-0CC6-4EED-A9FF-1191F0A466C9}" type="presOf" srcId="{2193B6A0-5E22-483F-9FE3-F3BD22EF00FD}" destId="{D3ECC512-8CD3-4D18-AC9A-718AAEDD36C5}" srcOrd="0" destOrd="0" presId="urn:microsoft.com/office/officeart/2005/8/layout/hProcess11"/>
+    <dgm:cxn modelId="{FFCDE449-B670-4447-86AB-62B663297B67}" type="presOf" srcId="{AA0AC35B-BC3B-46FD-996B-C298D3AA31EE}" destId="{3D43A0DE-AD5A-4D9F-920B-0F857DD6E16C}" srcOrd="0" destOrd="0" presId="urn:microsoft.com/office/officeart/2005/8/layout/hProcess11"/>
+    <dgm:cxn modelId="{83F81082-24E0-4E69-817B-F7C29648C801}" srcId="{AA0AC35B-BC3B-46FD-996B-C298D3AA31EE}" destId="{DD014AAF-8215-4A7C-B127-F7C604F4FA06}" srcOrd="7" destOrd="0" parTransId="{321C7E79-7428-4BE7-9340-A49AE2C4E165}" sibTransId="{B1CCF304-765B-4DF8-8DBC-078509C42369}"/>
+    <dgm:cxn modelId="{AAA6CB93-929E-4938-809D-E1622F60DAD6}" type="presOf" srcId="{DD014AAF-8215-4A7C-B127-F7C604F4FA06}" destId="{8CF044ED-AC08-4813-95F0-BAA88DC1E6F6}" srcOrd="0" destOrd="0" presId="urn:microsoft.com/office/officeart/2005/8/layout/hProcess11"/>
+    <dgm:cxn modelId="{CCDDB69E-5197-48F0-8343-38A670ACFAFE}" type="presOf" srcId="{4C4A5689-32C6-4090-BAAC-FE4576F16DBC}" destId="{C63675F1-F25A-41C5-9B73-F4A0ED854620}" srcOrd="0" destOrd="0" presId="urn:microsoft.com/office/officeart/2005/8/layout/hProcess11"/>
+    <dgm:cxn modelId="{C01DC7B6-840E-4110-93FE-7869CBD62DAF}" type="presOf" srcId="{6A7F652D-5849-4768-9D07-A015388E3502}" destId="{9D9FC7BC-3DA3-4FD7-8964-E769E671A4AC}" srcOrd="0" destOrd="0" presId="urn:microsoft.com/office/officeart/2005/8/layout/hProcess11"/>
+    <dgm:cxn modelId="{9C3C37BA-3330-40B5-8793-0CCC5A46B69D}" srcId="{AA0AC35B-BC3B-46FD-996B-C298D3AA31EE}" destId="{2193B6A0-5E22-483F-9FE3-F3BD22EF00FD}" srcOrd="0" destOrd="0" parTransId="{37F3FDEB-AED7-4BB1-91C5-8D83AF6E711E}" sibTransId="{EA769026-A3DE-426B-A9D9-55591930C7E1}"/>
+    <dgm:cxn modelId="{9B95C0CB-7D60-4166-AE42-41A5C7D40BA7}" type="presOf" srcId="{BCA9DB20-9C8D-42C7-92D5-80BCB346F833}" destId="{85E23AAC-EEAD-4EC5-AD02-3C182EEE217C}" srcOrd="0" destOrd="0" presId="urn:microsoft.com/office/officeart/2005/8/layout/hProcess11"/>
+    <dgm:cxn modelId="{28A5B5CC-37D2-4110-B647-E360FFE8DA82}" srcId="{AA0AC35B-BC3B-46FD-996B-C298D3AA31EE}" destId="{C2BFA11C-20D0-4CAC-B6BA-2AE629EFDB25}" srcOrd="3" destOrd="0" parTransId="{5B24556D-61BB-498F-AF0B-1A4B6CCF189E}" sibTransId="{E0569B85-A202-495C-A2D9-C56F6520EBC6}"/>
+    <dgm:cxn modelId="{73236DDB-BFB9-4FD8-99CF-1B0F962E7BC3}" srcId="{AA0AC35B-BC3B-46FD-996B-C298D3AA31EE}" destId="{6A7F652D-5849-4768-9D07-A015388E3502}" srcOrd="6" destOrd="0" parTransId="{B6C9F434-E8E3-4D15-8C6F-24DEFAD524D2}" sibTransId="{A47E0DF2-3211-4AEF-8DB2-3FF3CFE48E77}"/>
     <dgm:cxn modelId="{AAC9D2E1-CA5A-4D1E-8C5A-53DDBF2E91D4}" type="presOf" srcId="{D43D7B9B-00CF-489A-9348-572FAE1C5E88}" destId="{7A1FA244-12F0-41FA-91E3-FE8638757D4B}" srcOrd="0" destOrd="0" presId="urn:microsoft.com/office/officeart/2005/8/layout/hProcess11"/>
-    <dgm:cxn modelId="{9C3C37BA-3330-40B5-8793-0CCC5A46B69D}" srcId="{AA0AC35B-BC3B-46FD-996B-C298D3AA31EE}" destId="{2193B6A0-5E22-483F-9FE3-F3BD22EF00FD}" srcOrd="0" destOrd="0" parTransId="{37F3FDEB-AED7-4BB1-91C5-8D83AF6E711E}" sibTransId="{EA769026-A3DE-426B-A9D9-55591930C7E1}"/>
-    <dgm:cxn modelId="{AAA6CB93-929E-4938-809D-E1622F60DAD6}" type="presOf" srcId="{DD014AAF-8215-4A7C-B127-F7C604F4FA06}" destId="{8CF044ED-AC08-4813-95F0-BAA88DC1E6F6}" srcOrd="0" destOrd="0" presId="urn:microsoft.com/office/officeart/2005/8/layout/hProcess11"/>
+    <dgm:cxn modelId="{78AD8FF5-BCDD-4AA3-B2CA-52894C0AFFF7}" srcId="{AA0AC35B-BC3B-46FD-996B-C298D3AA31EE}" destId="{5E6C20B8-47C8-4E12-8DE0-F92741584F22}" srcOrd="4" destOrd="0" parTransId="{E5946EA0-F5DB-437E-9CA2-EF7E4A6F162F}" sibTransId="{E00D7874-E4AA-4D7F-8519-C8C707221B20}"/>
+    <dgm:cxn modelId="{0C7536FE-A22D-45A9-8D3D-90949D2437A7}" type="presOf" srcId="{5E6C20B8-47C8-4E12-8DE0-F92741584F22}" destId="{E1394715-B0B1-4276-A687-B7539C91D95B}" srcOrd="0" destOrd="0" presId="urn:microsoft.com/office/officeart/2005/8/layout/hProcess11"/>
     <dgm:cxn modelId="{624D3D71-72AE-4DF8-8000-D4A4317AF306}" type="presParOf" srcId="{3D43A0DE-AD5A-4D9F-920B-0F857DD6E16C}" destId="{C3551EAD-99A4-44A5-93EE-ACC0A681C3ED}" srcOrd="0" destOrd="0" presId="urn:microsoft.com/office/officeart/2005/8/layout/hProcess11"/>
     <dgm:cxn modelId="{5A28F645-5ABC-4F6E-A9FD-A5CD13E60116}" type="presParOf" srcId="{3D43A0DE-AD5A-4D9F-920B-0F857DD6E16C}" destId="{5917CC6F-18CB-4CC1-AD29-FA2800C45F0A}" srcOrd="1" destOrd="0" presId="urn:microsoft.com/office/officeart/2005/8/layout/hProcess11"/>
     <dgm:cxn modelId="{25F269BA-259F-44EA-9763-D4C3B56CD997}" type="presParOf" srcId="{5917CC6F-18CB-4CC1-AD29-FA2800C45F0A}" destId="{2F4F9F93-6B8C-488E-9B12-148345400A13}" srcOrd="0" destOrd="0" presId="urn:microsoft.com/office/officeart/2005/8/layout/hProcess11"/>
@@ -12174,10 +12102,9 @@
         <a:lstStyle/>
         <a:p>
           <a:r>
-            <a:rPr lang="zh-CN" altLang="en-US" dirty="0" smtClean="0"/>
+            <a:rPr lang="zh-CN" altLang="en-US" dirty="0"/>
             <a:t>对接接口</a:t>
           </a:r>
-          <a:endParaRPr lang="zh-CN" altLang="en-US" dirty="0"/>
         </a:p>
       </dgm:t>
     </dgm:pt>
@@ -12211,10 +12138,9 @@
         <a:lstStyle/>
         <a:p>
           <a:r>
-            <a:rPr lang="zh-CN" altLang="en-US" dirty="0" smtClean="0"/>
+            <a:rPr lang="zh-CN" altLang="en-US" dirty="0"/>
             <a:t>通过腾讯会议商定前后端交互传递的参数及格式</a:t>
           </a:r>
-          <a:endParaRPr lang="zh-CN" altLang="en-US" dirty="0"/>
         </a:p>
       </dgm:t>
     </dgm:pt>
@@ -12248,10 +12174,9 @@
         <a:lstStyle/>
         <a:p>
           <a:r>
-            <a:rPr lang="zh-CN" altLang="en-US" dirty="0" smtClean="0"/>
+            <a:rPr lang="zh-CN" altLang="en-US" dirty="0"/>
             <a:t>后端开发</a:t>
           </a:r>
-          <a:endParaRPr lang="zh-CN" altLang="en-US" dirty="0"/>
         </a:p>
       </dgm:t>
     </dgm:pt>
@@ -12285,10 +12210,9 @@
         <a:lstStyle/>
         <a:p>
           <a:r>
-            <a:rPr lang="zh-CN" altLang="en-US" dirty="0" smtClean="0"/>
+            <a:rPr lang="zh-CN" altLang="en-US" dirty="0"/>
             <a:t>赵正阳完成后端视图代码的编写及测试</a:t>
           </a:r>
-          <a:endParaRPr lang="zh-CN" altLang="en-US" dirty="0"/>
         </a:p>
       </dgm:t>
     </dgm:pt>
@@ -12322,10 +12246,9 @@
         <a:lstStyle/>
         <a:p>
           <a:r>
-            <a:rPr lang="zh-CN" altLang="en-US" dirty="0" smtClean="0"/>
+            <a:rPr lang="zh-CN" altLang="en-US" dirty="0"/>
             <a:t>前端开发</a:t>
           </a:r>
-          <a:endParaRPr lang="zh-CN" altLang="en-US" dirty="0"/>
         </a:p>
       </dgm:t>
     </dgm:pt>
@@ -12359,18 +12282,17 @@
         <a:lstStyle/>
         <a:p>
           <a:r>
-            <a:rPr lang="zh-CN" altLang="en-US" dirty="0" smtClean="0"/>
+            <a:rPr lang="zh-CN" altLang="en-US" dirty="0"/>
             <a:t>宋冰晨完成前端</a:t>
           </a:r>
           <a:r>
-            <a:rPr lang="en-US" altLang="zh-CN" dirty="0" smtClean="0"/>
+            <a:rPr lang="en-US" altLang="zh-CN" dirty="0"/>
             <a:t>HTML</a:t>
           </a:r>
           <a:r>
-            <a:rPr lang="zh-CN" altLang="en-US" dirty="0" smtClean="0"/>
+            <a:rPr lang="zh-CN" altLang="en-US" dirty="0"/>
             <a:t>页面的渲染</a:t>
           </a:r>
-          <a:endParaRPr lang="zh-CN" altLang="en-US" dirty="0"/>
         </a:p>
       </dgm:t>
     </dgm:pt>
@@ -12405,13 +12327,6 @@
         </dgm:presLayoutVars>
       </dgm:prSet>
       <dgm:spPr/>
-      <dgm:t>
-        <a:bodyPr/>
-        <a:lstStyle/>
-        <a:p>
-          <a:endParaRPr lang="zh-CN" altLang="en-US"/>
-        </a:p>
-      </dgm:t>
     </dgm:pt>
     <dgm:pt modelId="{1346F3CF-6F8F-4219-9EA4-63860BDAA719}" type="pres">
       <dgm:prSet presAssocID="{6ECD414E-9C7D-4EA6-B3FA-16CE4CABEA93}" presName="composite" presStyleCnt="0"/>
@@ -12425,13 +12340,6 @@
         </dgm:presLayoutVars>
       </dgm:prSet>
       <dgm:spPr/>
-      <dgm:t>
-        <a:bodyPr/>
-        <a:lstStyle/>
-        <a:p>
-          <a:endParaRPr lang="zh-CN" altLang="en-US"/>
-        </a:p>
-      </dgm:t>
     </dgm:pt>
     <dgm:pt modelId="{78B9F159-36E5-47E2-B071-E3CB2BFC3D0D}" type="pres">
       <dgm:prSet presAssocID="{6ECD414E-9C7D-4EA6-B3FA-16CE4CABEA93}" presName="descendantText" presStyleLbl="alignAcc1" presStyleIdx="0" presStyleCnt="3">
@@ -12440,13 +12348,6 @@
         </dgm:presLayoutVars>
       </dgm:prSet>
       <dgm:spPr/>
-      <dgm:t>
-        <a:bodyPr/>
-        <a:lstStyle/>
-        <a:p>
-          <a:endParaRPr lang="zh-CN" altLang="en-US"/>
-        </a:p>
-      </dgm:t>
     </dgm:pt>
     <dgm:pt modelId="{971E2E2A-BB00-49AA-88FF-EF2FF0A9A864}" type="pres">
       <dgm:prSet presAssocID="{92B0BDD5-F972-432B-9649-11EBDD25F817}" presName="sp" presStyleCnt="0"/>
@@ -12464,13 +12365,6 @@
         </dgm:presLayoutVars>
       </dgm:prSet>
       <dgm:spPr/>
-      <dgm:t>
-        <a:bodyPr/>
-        <a:lstStyle/>
-        <a:p>
-          <a:endParaRPr lang="zh-CN" altLang="en-US"/>
-        </a:p>
-      </dgm:t>
     </dgm:pt>
     <dgm:pt modelId="{907FA8D9-14A4-4F2A-A61F-E7EA0FE8D25C}" type="pres">
       <dgm:prSet presAssocID="{30C30DFD-9621-4CEC-ACF8-41C2455F82FF}" presName="descendantText" presStyleLbl="alignAcc1" presStyleIdx="1" presStyleCnt="3">
@@ -12479,13 +12373,6 @@
         </dgm:presLayoutVars>
       </dgm:prSet>
       <dgm:spPr/>
-      <dgm:t>
-        <a:bodyPr/>
-        <a:lstStyle/>
-        <a:p>
-          <a:endParaRPr lang="zh-CN" altLang="en-US"/>
-        </a:p>
-      </dgm:t>
     </dgm:pt>
     <dgm:pt modelId="{69079BE0-F3F6-4ABE-B32F-5AD4AE15B38A}" type="pres">
       <dgm:prSet presAssocID="{68715B7C-6F78-4348-9568-0A3D32486927}" presName="sp" presStyleCnt="0"/>
@@ -12503,13 +12390,6 @@
         </dgm:presLayoutVars>
       </dgm:prSet>
       <dgm:spPr/>
-      <dgm:t>
-        <a:bodyPr/>
-        <a:lstStyle/>
-        <a:p>
-          <a:endParaRPr lang="zh-CN" altLang="en-US"/>
-        </a:p>
-      </dgm:t>
     </dgm:pt>
     <dgm:pt modelId="{3AB464B7-9126-4DB4-A5AB-95F73A8CCAF8}" type="pres">
       <dgm:prSet presAssocID="{707417ED-3E01-4FF9-9F12-7ABD7F378432}" presName="descendantText" presStyleLbl="alignAcc1" presStyleIdx="2" presStyleCnt="3">
@@ -12518,29 +12398,22 @@
         </dgm:presLayoutVars>
       </dgm:prSet>
       <dgm:spPr/>
-      <dgm:t>
-        <a:bodyPr/>
-        <a:lstStyle/>
-        <a:p>
-          <a:endParaRPr lang="zh-CN" altLang="en-US"/>
-        </a:p>
-      </dgm:t>
     </dgm:pt>
   </dgm:ptLst>
   <dgm:cxnLst>
+    <dgm:cxn modelId="{F6473F2D-AB52-4C24-8969-7D60F63B6A9F}" srcId="{EE2E6488-751A-455C-A89B-B8A03246271E}" destId="{707417ED-3E01-4FF9-9F12-7ABD7F378432}" srcOrd="2" destOrd="0" parTransId="{9B2901F3-97FA-4C62-9395-3ACEE2FDAD3B}" sibTransId="{F53F35A1-DDB3-42C5-AB92-A24412D45F61}"/>
+    <dgm:cxn modelId="{3FBB0545-4D13-4959-A77F-45D0EBF094C9}" srcId="{6ECD414E-9C7D-4EA6-B3FA-16CE4CABEA93}" destId="{5807FB9A-CC02-40EB-8815-0AAE72E83D41}" srcOrd="0" destOrd="0" parTransId="{556F4418-1E2C-4E9F-BFE4-235625ABE8C2}" sibTransId="{00A5B4E1-FA43-49D8-BBC5-246815887AEE}"/>
+    <dgm:cxn modelId="{325EB146-6184-4C6F-8663-6676736F3643}" type="presOf" srcId="{5807FB9A-CC02-40EB-8815-0AAE72E83D41}" destId="{78B9F159-36E5-47E2-B071-E3CB2BFC3D0D}" srcOrd="0" destOrd="0" presId="urn:microsoft.com/office/officeart/2005/8/layout/chevron2"/>
+    <dgm:cxn modelId="{93BBED68-E988-4C93-B08F-0C8E34ED32FC}" srcId="{EE2E6488-751A-455C-A89B-B8A03246271E}" destId="{6ECD414E-9C7D-4EA6-B3FA-16CE4CABEA93}" srcOrd="0" destOrd="0" parTransId="{BA51C11F-4F07-4992-93D1-820A78057440}" sibTransId="{92B0BDD5-F972-432B-9649-11EBDD25F817}"/>
+    <dgm:cxn modelId="{44864873-B553-4895-8EF4-F7FA61AB477B}" type="presOf" srcId="{EE2E6488-751A-455C-A89B-B8A03246271E}" destId="{C2B0DF77-3973-48F3-9129-EE6B8F257DD0}" srcOrd="0" destOrd="0" presId="urn:microsoft.com/office/officeart/2005/8/layout/chevron2"/>
+    <dgm:cxn modelId="{1307CE9A-F1A3-498F-B7F7-C880CA7BD8B9}" srcId="{EE2E6488-751A-455C-A89B-B8A03246271E}" destId="{30C30DFD-9621-4CEC-ACF8-41C2455F82FF}" srcOrd="1" destOrd="0" parTransId="{497D374D-36F9-4BB3-BCE4-48BDF39111E3}" sibTransId="{68715B7C-6F78-4348-9568-0A3D32486927}"/>
+    <dgm:cxn modelId="{C5308E9D-8ADC-4F33-A70D-23D0A6EC37CC}" type="presOf" srcId="{6ECD414E-9C7D-4EA6-B3FA-16CE4CABEA93}" destId="{9D973C3F-49FC-4BCF-B019-40C629AD3948}" srcOrd="0" destOrd="0" presId="urn:microsoft.com/office/officeart/2005/8/layout/chevron2"/>
     <dgm:cxn modelId="{AEF825AD-E8F0-4172-B911-711E2C49CDBD}" type="presOf" srcId="{D9A9DF6D-704F-4B14-AB77-1B090FCE567A}" destId="{907FA8D9-14A4-4F2A-A61F-E7EA0FE8D25C}" srcOrd="0" destOrd="0" presId="urn:microsoft.com/office/officeart/2005/8/layout/chevron2"/>
+    <dgm:cxn modelId="{794989D0-9BB5-4F87-B845-B3E7CE36FA7A}" type="presOf" srcId="{707417ED-3E01-4FF9-9F12-7ABD7F378432}" destId="{7AE507A4-99C4-448C-A555-DE16FD42648A}" srcOrd="0" destOrd="0" presId="urn:microsoft.com/office/officeart/2005/8/layout/chevron2"/>
+    <dgm:cxn modelId="{E1761FD3-7949-4316-B5DE-10B11E3E113C}" srcId="{707417ED-3E01-4FF9-9F12-7ABD7F378432}" destId="{2DCA6348-00FA-4EBD-A2CD-B46AEC7E9234}" srcOrd="0" destOrd="0" parTransId="{5D1F3533-E15E-4751-8FAA-1B04F360CCA7}" sibTransId="{C5893428-23E1-4F65-B164-3927ECAC4034}"/>
     <dgm:cxn modelId="{B95553E8-2FFB-46E4-AF96-3DE5E3EE4856}" type="presOf" srcId="{2DCA6348-00FA-4EBD-A2CD-B46AEC7E9234}" destId="{3AB464B7-9126-4DB4-A5AB-95F73A8CCAF8}" srcOrd="0" destOrd="0" presId="urn:microsoft.com/office/officeart/2005/8/layout/chevron2"/>
-    <dgm:cxn modelId="{3FBB0545-4D13-4959-A77F-45D0EBF094C9}" srcId="{6ECD414E-9C7D-4EA6-B3FA-16CE4CABEA93}" destId="{5807FB9A-CC02-40EB-8815-0AAE72E83D41}" srcOrd="0" destOrd="0" parTransId="{556F4418-1E2C-4E9F-BFE4-235625ABE8C2}" sibTransId="{00A5B4E1-FA43-49D8-BBC5-246815887AEE}"/>
-    <dgm:cxn modelId="{1307CE9A-F1A3-498F-B7F7-C880CA7BD8B9}" srcId="{EE2E6488-751A-455C-A89B-B8A03246271E}" destId="{30C30DFD-9621-4CEC-ACF8-41C2455F82FF}" srcOrd="1" destOrd="0" parTransId="{497D374D-36F9-4BB3-BCE4-48BDF39111E3}" sibTransId="{68715B7C-6F78-4348-9568-0A3D32486927}"/>
-    <dgm:cxn modelId="{44864873-B553-4895-8EF4-F7FA61AB477B}" type="presOf" srcId="{EE2E6488-751A-455C-A89B-B8A03246271E}" destId="{C2B0DF77-3973-48F3-9129-EE6B8F257DD0}" srcOrd="0" destOrd="0" presId="urn:microsoft.com/office/officeart/2005/8/layout/chevron2"/>
-    <dgm:cxn modelId="{93BBED68-E988-4C93-B08F-0C8E34ED32FC}" srcId="{EE2E6488-751A-455C-A89B-B8A03246271E}" destId="{6ECD414E-9C7D-4EA6-B3FA-16CE4CABEA93}" srcOrd="0" destOrd="0" parTransId="{BA51C11F-4F07-4992-93D1-820A78057440}" sibTransId="{92B0BDD5-F972-432B-9649-11EBDD25F817}"/>
     <dgm:cxn modelId="{B4755DED-D3D2-4FB5-A632-37035A0AF264}" type="presOf" srcId="{30C30DFD-9621-4CEC-ACF8-41C2455F82FF}" destId="{53CBA535-9A2A-488A-8070-42AF48608E18}" srcOrd="0" destOrd="0" presId="urn:microsoft.com/office/officeart/2005/8/layout/chevron2"/>
-    <dgm:cxn modelId="{E1761FD3-7949-4316-B5DE-10B11E3E113C}" srcId="{707417ED-3E01-4FF9-9F12-7ABD7F378432}" destId="{2DCA6348-00FA-4EBD-A2CD-B46AEC7E9234}" srcOrd="0" destOrd="0" parTransId="{5D1F3533-E15E-4751-8FAA-1B04F360CCA7}" sibTransId="{C5893428-23E1-4F65-B164-3927ECAC4034}"/>
     <dgm:cxn modelId="{44781EF2-A44C-48FA-8DBE-27DD2DEE51FB}" srcId="{30C30DFD-9621-4CEC-ACF8-41C2455F82FF}" destId="{D9A9DF6D-704F-4B14-AB77-1B090FCE567A}" srcOrd="0" destOrd="0" parTransId="{DFC24B18-5E45-485C-B43A-64ABA81FFB98}" sibTransId="{9F523263-9039-4829-95C4-9DA2F5ECAC40}"/>
-    <dgm:cxn modelId="{794989D0-9BB5-4F87-B845-B3E7CE36FA7A}" type="presOf" srcId="{707417ED-3E01-4FF9-9F12-7ABD7F378432}" destId="{7AE507A4-99C4-448C-A555-DE16FD42648A}" srcOrd="0" destOrd="0" presId="urn:microsoft.com/office/officeart/2005/8/layout/chevron2"/>
-    <dgm:cxn modelId="{325EB146-6184-4C6F-8663-6676736F3643}" type="presOf" srcId="{5807FB9A-CC02-40EB-8815-0AAE72E83D41}" destId="{78B9F159-36E5-47E2-B071-E3CB2BFC3D0D}" srcOrd="0" destOrd="0" presId="urn:microsoft.com/office/officeart/2005/8/layout/chevron2"/>
-    <dgm:cxn modelId="{C5308E9D-8ADC-4F33-A70D-23D0A6EC37CC}" type="presOf" srcId="{6ECD414E-9C7D-4EA6-B3FA-16CE4CABEA93}" destId="{9D973C3F-49FC-4BCF-B019-40C629AD3948}" srcOrd="0" destOrd="0" presId="urn:microsoft.com/office/officeart/2005/8/layout/chevron2"/>
-    <dgm:cxn modelId="{F6473F2D-AB52-4C24-8969-7D60F63B6A9F}" srcId="{EE2E6488-751A-455C-A89B-B8A03246271E}" destId="{707417ED-3E01-4FF9-9F12-7ABD7F378432}" srcOrd="2" destOrd="0" parTransId="{9B2901F3-97FA-4C62-9395-3ACEE2FDAD3B}" sibTransId="{F53F35A1-DDB3-42C5-AB92-A24412D45F61}"/>
     <dgm:cxn modelId="{E192E585-0397-4B27-8C62-BA725862561E}" type="presParOf" srcId="{C2B0DF77-3973-48F3-9129-EE6B8F257DD0}" destId="{1346F3CF-6F8F-4219-9EA4-63860BDAA719}" srcOrd="0" destOrd="0" presId="urn:microsoft.com/office/officeart/2005/8/layout/chevron2"/>
     <dgm:cxn modelId="{C320B860-C471-4237-B017-37DC192E226D}" type="presParOf" srcId="{1346F3CF-6F8F-4219-9EA4-63860BDAA719}" destId="{9D973C3F-49FC-4BCF-B019-40C629AD3948}" srcOrd="0" destOrd="0" presId="urn:microsoft.com/office/officeart/2005/8/layout/chevron2"/>
     <dgm:cxn modelId="{3C94264C-6E28-4BAC-89B0-098A265025AD}" type="presParOf" srcId="{1346F3CF-6F8F-4219-9EA4-63860BDAA719}" destId="{78B9F159-36E5-47E2-B071-E3CB2BFC3D0D}" srcOrd="1" destOrd="0" presId="urn:microsoft.com/office/officeart/2005/8/layout/chevron2"/>
@@ -12648,7 +12521,7 @@
         </a:bodyPr>
         <a:lstStyle/>
         <a:p>
-          <a:pPr lvl="0" algn="ctr" defTabSz="711200">
+          <a:pPr marL="0" lvl="0" indent="0" algn="ctr" defTabSz="711200">
             <a:lnSpc>
               <a:spcPct val="90000"/>
             </a:lnSpc>
@@ -12658,11 +12531,12 @@
             <a:spcAft>
               <a:spcPct val="35000"/>
             </a:spcAft>
+            <a:buNone/>
           </a:pPr>
           <a:endParaRPr lang="en-US" altLang="zh-CN" sz="1600" kern="1200" dirty="0"/>
         </a:p>
         <a:p>
-          <a:pPr lvl="0" algn="ctr" defTabSz="711200">
+          <a:pPr marL="0" lvl="0" indent="0" algn="ctr" defTabSz="711200">
             <a:lnSpc>
               <a:spcPct val="90000"/>
             </a:lnSpc>
@@ -12672,11 +12546,12 @@
             <a:spcAft>
               <a:spcPct val="35000"/>
             </a:spcAft>
+            <a:buNone/>
           </a:pPr>
           <a:endParaRPr lang="en-US" altLang="zh-CN" sz="1600" kern="1200" dirty="0"/>
         </a:p>
         <a:p>
-          <a:pPr lvl="0" algn="ctr" defTabSz="711200">
+          <a:pPr marL="0" lvl="0" indent="0" algn="ctr" defTabSz="711200">
             <a:lnSpc>
               <a:spcPct val="90000"/>
             </a:lnSpc>
@@ -12686,11 +12561,12 @@
             <a:spcAft>
               <a:spcPct val="35000"/>
             </a:spcAft>
+            <a:buNone/>
           </a:pPr>
           <a:endParaRPr lang="en-US" altLang="zh-CN" sz="1600" kern="1200" dirty="0"/>
         </a:p>
         <a:p>
-          <a:pPr lvl="0" algn="ctr" defTabSz="711200">
+          <a:pPr marL="0" lvl="0" indent="0" algn="ctr" defTabSz="711200">
             <a:lnSpc>
               <a:spcPct val="90000"/>
             </a:lnSpc>
@@ -12700,6 +12576,7 @@
             <a:spcAft>
               <a:spcPct val="35000"/>
             </a:spcAft>
+            <a:buNone/>
           </a:pPr>
           <a:r>
             <a:rPr lang="en-US" altLang="zh-CN" sz="1600" kern="1200" dirty="0"/>
@@ -12799,7 +12676,7 @@
         </a:bodyPr>
         <a:lstStyle/>
         <a:p>
-          <a:pPr lvl="0" algn="ctr" defTabSz="711200">
+          <a:pPr marL="0" lvl="0" indent="0" algn="ctr" defTabSz="711200">
             <a:lnSpc>
               <a:spcPct val="90000"/>
             </a:lnSpc>
@@ -12809,6 +12686,7 @@
             <a:spcAft>
               <a:spcPct val="35000"/>
             </a:spcAft>
+            <a:buNone/>
           </a:pPr>
           <a:r>
             <a:rPr lang="en-US" altLang="zh-CN" sz="1600" kern="1200" dirty="0"/>
@@ -12909,7 +12787,7 @@
         </a:bodyPr>
         <a:lstStyle/>
         <a:p>
-          <a:pPr lvl="0" algn="ctr" defTabSz="711200">
+          <a:pPr marL="0" lvl="0" indent="0" algn="ctr" defTabSz="711200">
             <a:lnSpc>
               <a:spcPct val="90000"/>
             </a:lnSpc>
@@ -12919,6 +12797,7 @@
             <a:spcAft>
               <a:spcPct val="35000"/>
             </a:spcAft>
+            <a:buNone/>
           </a:pPr>
           <a:r>
             <a:rPr lang="en-US" altLang="zh-CN" sz="1600" kern="1200" dirty="0"/>
@@ -13019,7 +12898,7 @@
         </a:bodyPr>
         <a:lstStyle/>
         <a:p>
-          <a:pPr lvl="0" algn="ctr" defTabSz="711200">
+          <a:pPr marL="0" lvl="0" indent="0" algn="ctr" defTabSz="711200">
             <a:lnSpc>
               <a:spcPct val="90000"/>
             </a:lnSpc>
@@ -13029,6 +12908,7 @@
             <a:spcAft>
               <a:spcPct val="35000"/>
             </a:spcAft>
+            <a:buNone/>
           </a:pPr>
           <a:r>
             <a:rPr lang="en-US" altLang="zh-CN" sz="1600" kern="1200" dirty="0"/>
@@ -13129,7 +13009,7 @@
         </a:bodyPr>
         <a:lstStyle/>
         <a:p>
-          <a:pPr lvl="0" algn="ctr" defTabSz="711200">
+          <a:pPr marL="0" lvl="0" indent="0" algn="ctr" defTabSz="711200">
             <a:lnSpc>
               <a:spcPct val="90000"/>
             </a:lnSpc>
@@ -13139,6 +13019,7 @@
             <a:spcAft>
               <a:spcPct val="35000"/>
             </a:spcAft>
+            <a:buNone/>
           </a:pPr>
           <a:r>
             <a:rPr lang="en-US" altLang="zh-CN" sz="1600" kern="1200" dirty="0"/>
@@ -13239,7 +13120,7 @@
         </a:bodyPr>
         <a:lstStyle/>
         <a:p>
-          <a:pPr lvl="0" algn="ctr" defTabSz="711200">
+          <a:pPr marL="0" lvl="0" indent="0" algn="ctr" defTabSz="711200">
             <a:lnSpc>
               <a:spcPct val="90000"/>
             </a:lnSpc>
@@ -13249,6 +13130,7 @@
             <a:spcAft>
               <a:spcPct val="35000"/>
             </a:spcAft>
+            <a:buNone/>
           </a:pPr>
           <a:r>
             <a:rPr lang="en-US" altLang="zh-CN" sz="1600" kern="1200" dirty="0"/>
@@ -13349,7 +13231,7 @@
         </a:bodyPr>
         <a:lstStyle/>
         <a:p>
-          <a:pPr lvl="0" algn="ctr" defTabSz="711200">
+          <a:pPr marL="0" lvl="0" indent="0" algn="ctr" defTabSz="711200">
             <a:lnSpc>
               <a:spcPct val="90000"/>
             </a:lnSpc>
@@ -13359,6 +13241,7 @@
             <a:spcAft>
               <a:spcPct val="35000"/>
             </a:spcAft>
+            <a:buNone/>
           </a:pPr>
           <a:r>
             <a:rPr lang="en-US" altLang="zh-CN" sz="1600" kern="1200" dirty="0"/>
@@ -13459,7 +13342,7 @@
         </a:bodyPr>
         <a:lstStyle/>
         <a:p>
-          <a:pPr lvl="0" algn="ctr" defTabSz="711200">
+          <a:pPr marL="0" lvl="0" indent="0" algn="ctr" defTabSz="711200">
             <a:lnSpc>
               <a:spcPct val="90000"/>
             </a:lnSpc>
@@ -13469,6 +13352,7 @@
             <a:spcAft>
               <a:spcPct val="35000"/>
             </a:spcAft>
+            <a:buNone/>
           </a:pPr>
           <a:r>
             <a:rPr lang="en-US" altLang="zh-CN" sz="1600" kern="1200" dirty="0"/>
@@ -13599,7 +13483,7 @@
         </a:bodyPr>
         <a:lstStyle/>
         <a:p>
-          <a:pPr lvl="0" algn="ctr" defTabSz="977900">
+          <a:pPr marL="0" lvl="0" indent="0" algn="ctr" defTabSz="977900">
             <a:lnSpc>
               <a:spcPct val="90000"/>
             </a:lnSpc>
@@ -13609,12 +13493,12 @@
             <a:spcAft>
               <a:spcPct val="35000"/>
             </a:spcAft>
+            <a:buNone/>
           </a:pPr>
           <a:r>
-            <a:rPr lang="zh-CN" altLang="en-US" sz="2200" kern="1200" dirty="0" smtClean="0"/>
+            <a:rPr lang="zh-CN" altLang="en-US" sz="2200" kern="1200" dirty="0"/>
             <a:t>对接接口</a:t>
           </a:r>
-          <a:endParaRPr lang="zh-CN" altLang="en-US" sz="2200" kern="1200" dirty="0"/>
         </a:p>
       </dsp:txBody>
       <dsp:txXfrm rot="-5400000">
@@ -13686,13 +13570,12 @@
             <a:spcAft>
               <a:spcPct val="15000"/>
             </a:spcAft>
-            <a:buChar char="••"/>
+            <a:buChar char="•"/>
           </a:pPr>
           <a:r>
-            <a:rPr lang="zh-CN" altLang="en-US" sz="2200" kern="1200" dirty="0" smtClean="0"/>
+            <a:rPr lang="zh-CN" altLang="en-US" sz="2200" kern="1200" dirty="0"/>
             <a:t>通过腾讯会议商定前后端交互传递的参数及格式</a:t>
           </a:r>
-          <a:endParaRPr lang="zh-CN" altLang="en-US" sz="2200" kern="1200" dirty="0"/>
         </a:p>
       </dsp:txBody>
       <dsp:txXfrm rot="-5400000">
@@ -13755,7 +13638,7 @@
         </a:bodyPr>
         <a:lstStyle/>
         <a:p>
-          <a:pPr lvl="0" algn="ctr" defTabSz="977900">
+          <a:pPr marL="0" lvl="0" indent="0" algn="ctr" defTabSz="977900">
             <a:lnSpc>
               <a:spcPct val="90000"/>
             </a:lnSpc>
@@ -13765,12 +13648,12 @@
             <a:spcAft>
               <a:spcPct val="35000"/>
             </a:spcAft>
+            <a:buNone/>
           </a:pPr>
           <a:r>
-            <a:rPr lang="zh-CN" altLang="en-US" sz="2200" kern="1200" dirty="0" smtClean="0"/>
+            <a:rPr lang="zh-CN" altLang="en-US" sz="2200" kern="1200" dirty="0"/>
             <a:t>后端开发</a:t>
           </a:r>
-          <a:endParaRPr lang="zh-CN" altLang="en-US" sz="2200" kern="1200" dirty="0"/>
         </a:p>
       </dsp:txBody>
       <dsp:txXfrm rot="-5400000">
@@ -13842,13 +13725,12 @@
             <a:spcAft>
               <a:spcPct val="15000"/>
             </a:spcAft>
-            <a:buChar char="••"/>
+            <a:buChar char="•"/>
           </a:pPr>
           <a:r>
-            <a:rPr lang="zh-CN" altLang="en-US" sz="2200" kern="1200" dirty="0" smtClean="0"/>
+            <a:rPr lang="zh-CN" altLang="en-US" sz="2200" kern="1200" dirty="0"/>
             <a:t>赵正阳完成后端视图代码的编写及测试</a:t>
           </a:r>
-          <a:endParaRPr lang="zh-CN" altLang="en-US" sz="2200" kern="1200" dirty="0"/>
         </a:p>
       </dsp:txBody>
       <dsp:txXfrm rot="-5400000">
@@ -13911,7 +13793,7 @@
         </a:bodyPr>
         <a:lstStyle/>
         <a:p>
-          <a:pPr lvl="0" algn="ctr" defTabSz="977900">
+          <a:pPr marL="0" lvl="0" indent="0" algn="ctr" defTabSz="977900">
             <a:lnSpc>
               <a:spcPct val="90000"/>
             </a:lnSpc>
@@ -13921,12 +13803,12 @@
             <a:spcAft>
               <a:spcPct val="35000"/>
             </a:spcAft>
+            <a:buNone/>
           </a:pPr>
           <a:r>
-            <a:rPr lang="zh-CN" altLang="en-US" sz="2200" kern="1200" dirty="0" smtClean="0"/>
+            <a:rPr lang="zh-CN" altLang="en-US" sz="2200" kern="1200" dirty="0"/>
             <a:t>前端开发</a:t>
           </a:r>
-          <a:endParaRPr lang="zh-CN" altLang="en-US" sz="2200" kern="1200" dirty="0"/>
         </a:p>
       </dsp:txBody>
       <dsp:txXfrm rot="-5400000">
@@ -13998,21 +13880,20 @@
             <a:spcAft>
               <a:spcPct val="15000"/>
             </a:spcAft>
-            <a:buChar char="••"/>
+            <a:buChar char="•"/>
           </a:pPr>
           <a:r>
-            <a:rPr lang="zh-CN" altLang="en-US" sz="2200" kern="1200" dirty="0" smtClean="0"/>
+            <a:rPr lang="zh-CN" altLang="en-US" sz="2200" kern="1200" dirty="0"/>
             <a:t>宋冰晨完成前端</a:t>
           </a:r>
           <a:r>
-            <a:rPr lang="en-US" altLang="zh-CN" sz="2200" kern="1200" dirty="0" smtClean="0"/>
+            <a:rPr lang="en-US" altLang="zh-CN" sz="2200" kern="1200" dirty="0"/>
             <a:t>HTML</a:t>
           </a:r>
           <a:r>
-            <a:rPr lang="zh-CN" altLang="en-US" sz="2200" kern="1200" dirty="0" smtClean="0"/>
+            <a:rPr lang="zh-CN" altLang="en-US" sz="2200" kern="1200" dirty="0"/>
             <a:t>页面的渲染</a:t>
           </a:r>
-          <a:endParaRPr lang="zh-CN" altLang="en-US" sz="2200" kern="1200" dirty="0"/>
         </a:p>
       </dsp:txBody>
       <dsp:txXfrm rot="-5400000">
@@ -20452,11 +20333,11 @@
           <a:lstStyle/>
           <a:p>
             <a:r>
-              <a:rPr lang="en-US" altLang="zh-CN" sz="3200" dirty="0" err="1" smtClean="0"/>
+              <a:rPr lang="en-US" altLang="zh-CN" sz="3200" dirty="0" err="1"/>
               <a:t>EasySpider</a:t>
             </a:r>
             <a:r>
-              <a:rPr lang="zh-CN" altLang="en-US" sz="3200" dirty="0" smtClean="0"/>
+              <a:rPr lang="zh-CN" altLang="en-US" sz="3200" dirty="0"/>
               <a:t>开发进展汇报</a:t>
             </a:r>
             <a:endParaRPr lang="en-US" altLang="zh-CN" sz="3200" dirty="0"/>
@@ -20495,7 +20376,7 @@
           </a:p>
           <a:p>
             <a:r>
-              <a:rPr lang="en-US" altLang="zh-CN" dirty="0" smtClean="0"/>
+              <a:rPr lang="en-US" altLang="zh-CN" dirty="0"/>
               <a:t>2020.5.8</a:t>
             </a:r>
             <a:endParaRPr lang="zh-CN" altLang="en-US" dirty="0"/>
@@ -20524,13 +20405,6 @@
       </p:transition>
     </mc:Fallback>
   </mc:AlternateContent>
-  <p:timing>
-    <p:tnLst>
-      <p:par>
-        <p:cTn id="1" dur="indefinite" restart="never" nodeType="tmRoot"/>
-      </p:par>
-    </p:tnLst>
-  </p:timing>
 </p:sld>
 </file>
 
@@ -20581,12 +20455,8 @@
               <a:t>——</a:t>
             </a:r>
             <a:r>
-              <a:rPr lang="zh-CN" altLang="en-US" dirty="0" smtClean="0"/>
-              <a:t>普通</a:t>
-            </a:r>
-            <a:r>
               <a:rPr lang="zh-CN" altLang="en-US" dirty="0"/>
-              <a:t>用户</a:t>
+              <a:t>普通用户</a:t>
             </a:r>
             <a:r>
               <a:rPr lang="en-US" altLang="zh-CN" dirty="0"/>
@@ -20975,9 +20845,7 @@
           <p:cNvGraphicFramePr>
             <a:graphicFrameLocks noChangeAspect="1"/>
           </p:cNvGraphicFramePr>
-          <p:nvPr>
-            <p:extLst/>
-          </p:nvPr>
+          <p:nvPr/>
         </p:nvGraphicFramePr>
         <p:xfrm>
           <a:off x="5747637" y="1494852"/>
@@ -20987,7 +20855,7 @@
           <a:graphicData uri="http://schemas.openxmlformats.org/presentationml/2006/ole">
             <mc:AlternateContent xmlns:mc="http://schemas.openxmlformats.org/markup-compatibility/2006">
               <mc:Choice xmlns:v="urn:schemas-microsoft-com:vml" Requires="v">
-                <p:oleObj spid="_x0000_s1050" name="Visio" r:id="rId4" imgW="10253913" imgH="7639050" progId="Visio.Drawing.15">
+                <p:oleObj spid="_x0000_s1074" name="Visio" r:id="rId4" imgW="10253913" imgH="7639050" progId="Visio.Drawing.15">
                   <p:embed/>
                 </p:oleObj>
               </mc:Choice>
@@ -21050,9 +20918,7 @@
           <p:cNvGraphicFramePr>
             <a:graphicFrameLocks noChangeAspect="1"/>
           </p:cNvGraphicFramePr>
-          <p:nvPr>
-            <p:extLst/>
-          </p:nvPr>
+          <p:nvPr/>
         </p:nvGraphicFramePr>
         <p:xfrm>
           <a:off x="9633721" y="3451066"/>
@@ -21062,7 +20928,7 @@
           <a:graphicData uri="http://schemas.openxmlformats.org/presentationml/2006/ole">
             <mc:AlternateContent xmlns:mc="http://schemas.openxmlformats.org/markup-compatibility/2006">
               <mc:Choice xmlns:v="urn:schemas-microsoft-com:vml" Requires="v">
-                <p:oleObj spid="_x0000_s1051" name="Visio" r:id="rId6" imgW="6491538" imgH="7639050" progId="Visio.Drawing.15">
+                <p:oleObj spid="_x0000_s1075" name="Visio" r:id="rId6" imgW="6491538" imgH="7639050" progId="Visio.Drawing.15">
                   <p:embed/>
                 </p:oleObj>
               </mc:Choice>
@@ -21125,9 +20991,7 @@
           <p:cNvGraphicFramePr>
             <a:graphicFrameLocks noChangeAspect="1"/>
           </p:cNvGraphicFramePr>
-          <p:nvPr>
-            <p:extLst/>
-          </p:nvPr>
+          <p:nvPr/>
         </p:nvGraphicFramePr>
         <p:xfrm>
           <a:off x="3478617" y="3410127"/>
@@ -21137,7 +21001,7 @@
           <a:graphicData uri="http://schemas.openxmlformats.org/presentationml/2006/ole">
             <mc:AlternateContent xmlns:mc="http://schemas.openxmlformats.org/markup-compatibility/2006">
               <mc:Choice xmlns:v="urn:schemas-microsoft-com:vml" Requires="v">
-                <p:oleObj spid="_x0000_s1052" name="Visio" r:id="rId8" imgW="7162800" imgH="7215438" progId="Visio.Drawing.15">
+                <p:oleObj spid="_x0000_s1076" name="Visio" r:id="rId8" imgW="7162800" imgH="7215438" progId="Visio.Drawing.15">
                   <p:embed/>
                 </p:oleObj>
               </mc:Choice>
@@ -21315,13 +21179,6 @@
       </p:transition>
     </mc:Fallback>
   </mc:AlternateContent>
-  <p:timing>
-    <p:tnLst>
-      <p:par>
-        <p:cTn id="1" dur="indefinite" restart="never" nodeType="tmRoot"/>
-      </p:par>
-    </p:tnLst>
-  </p:timing>
 </p:sld>
 </file>
 
@@ -21372,12 +21229,8 @@
               <a:t>——</a:t>
             </a:r>
             <a:r>
-              <a:rPr lang="zh-CN" altLang="en-US" dirty="0" smtClean="0"/>
-              <a:t>普通</a:t>
-            </a:r>
-            <a:r>
               <a:rPr lang="zh-CN" altLang="en-US" dirty="0"/>
-              <a:t>用户</a:t>
+              <a:t>普通用户</a:t>
             </a:r>
             <a:r>
               <a:rPr lang="en-US" altLang="zh-CN" dirty="0"/>
@@ -21837,9 +21690,7 @@
           <p:cNvGraphicFramePr>
             <a:graphicFrameLocks noChangeAspect="1"/>
           </p:cNvGraphicFramePr>
-          <p:nvPr>
-            <p:extLst/>
-          </p:nvPr>
+          <p:nvPr/>
         </p:nvGraphicFramePr>
         <p:xfrm>
           <a:off x="3575375" y="1433662"/>
@@ -21849,7 +21700,7 @@
           <a:graphicData uri="http://schemas.openxmlformats.org/presentationml/2006/ole">
             <mc:AlternateContent xmlns:mc="http://schemas.openxmlformats.org/markup-compatibility/2006">
               <mc:Choice xmlns:v="urn:schemas-microsoft-com:vml" Requires="v">
-                <p:oleObj spid="_x0000_s2066" name="Visio" r:id="rId4" imgW="6391275" imgH="4762500" progId="Visio.Drawing.15">
+                <p:oleObj spid="_x0000_s2082" name="Visio" r:id="rId4" imgW="6391275" imgH="4762500" progId="Visio.Drawing.15">
                   <p:embed/>
                 </p:oleObj>
               </mc:Choice>
@@ -21912,9 +21763,7 @@
           <p:cNvGraphicFramePr>
             <a:graphicFrameLocks noChangeAspect="1"/>
           </p:cNvGraphicFramePr>
-          <p:nvPr>
-            <p:extLst/>
-          </p:nvPr>
+          <p:nvPr/>
         </p:nvGraphicFramePr>
         <p:xfrm>
           <a:off x="7278015" y="1433663"/>
@@ -21924,7 +21773,7 @@
           <a:graphicData uri="http://schemas.openxmlformats.org/presentationml/2006/ole">
             <mc:AlternateContent xmlns:mc="http://schemas.openxmlformats.org/markup-compatibility/2006">
               <mc:Choice xmlns:v="urn:schemas-microsoft-com:vml" Requires="v">
-                <p:oleObj spid="_x0000_s2067" name="Visio" r:id="rId6" imgW="7781925" imgH="8158413" progId="Visio.Drawing.15">
+                <p:oleObj spid="_x0000_s2083" name="Visio" r:id="rId6" imgW="7781925" imgH="8158413" progId="Visio.Drawing.15">
                   <p:embed/>
                 </p:oleObj>
               </mc:Choice>
@@ -22045,13 +21894,6 @@
       </p:transition>
     </mc:Fallback>
   </mc:AlternateContent>
-  <p:timing>
-    <p:tnLst>
-      <p:par>
-        <p:cTn id="1" dur="indefinite" restart="never" nodeType="tmRoot"/>
-      </p:par>
-    </p:tnLst>
-  </p:timing>
 </p:sld>
 </file>
 
@@ -22088,26 +21930,17 @@
           <a:lstStyle/>
           <a:p>
             <a:r>
-              <a:rPr lang="zh-CN" altLang="en-US" dirty="0" smtClean="0"/>
+              <a:rPr lang="zh-CN" altLang="en-US" dirty="0"/>
               <a:t>郭浩隆</a:t>
             </a:r>
             <a:r>
-              <a:rPr lang="en-US" altLang="zh-CN" dirty="0" smtClean="0"/>
+              <a:rPr lang="en-US" altLang="zh-CN" dirty="0"/>
               <a:t>——</a:t>
             </a:r>
             <a:r>
-              <a:rPr lang="zh-CN" altLang="en-US" dirty="0" smtClean="0"/>
-              <a:t>前端</a:t>
+              <a:rPr lang="zh-CN" altLang="en-US" dirty="0"/>
+              <a:t>前端界面开发</a:t>
             </a:r>
-            <a:r>
-              <a:rPr lang="zh-CN" altLang="en-US" dirty="0"/>
-              <a:t>界面</a:t>
-            </a:r>
-            <a:r>
-              <a:rPr lang="zh-CN" altLang="en-US" dirty="0" smtClean="0"/>
-              <a:t>开发</a:t>
-            </a:r>
-            <a:endParaRPr lang="zh-CN" altLang="en-US" dirty="0"/>
           </a:p>
         </p:txBody>
       </p:sp>
@@ -22466,13 +22299,6 @@
       </p:transition>
     </mc:Fallback>
   </mc:AlternateContent>
-  <p:timing>
-    <p:tnLst>
-      <p:par>
-        <p:cTn id="1" dur="indefinite" restart="never" nodeType="tmRoot"/>
-      </p:par>
-    </p:tnLst>
-  </p:timing>
 </p:sld>
 </file>
 
@@ -22559,18 +22385,18 @@
               <a:buChar char="•"/>
             </a:pPr>
             <a:r>
-              <a:rPr lang="zh-CN" altLang="en-US" dirty="0" smtClean="0"/>
+              <a:rPr lang="zh-CN" altLang="en-US" dirty="0"/>
               <a:t>负责</a:t>
             </a:r>
             <a:r>
-              <a:rPr lang="en-US" altLang="zh-CN" dirty="0" smtClean="0"/>
+              <a:rPr lang="en-US" altLang="zh-CN" dirty="0"/>
               <a:t>Django</a:t>
             </a:r>
             <a:r>
-              <a:rPr lang="zh-CN" altLang="en-US" dirty="0" smtClean="0"/>
+              <a:rPr lang="zh-CN" altLang="en-US" dirty="0"/>
               <a:t>模型（实体类）的创建以及后端视图代码的编写</a:t>
             </a:r>
-            <a:endParaRPr lang="en-US" altLang="zh-CN" dirty="0" smtClean="0"/>
+            <a:endParaRPr lang="en-US" altLang="zh-CN" dirty="0"/>
           </a:p>
           <a:p>
             <a:pPr>
@@ -22587,10 +22413,10 @@
               <a:buChar char="•"/>
             </a:pPr>
             <a:r>
-              <a:rPr lang="zh-CN" altLang="en-US" dirty="0" smtClean="0"/>
+              <a:rPr lang="zh-CN" altLang="en-US" dirty="0"/>
               <a:t>目前已完成模块：</a:t>
             </a:r>
-            <a:endParaRPr lang="en-US" altLang="zh-CN" dirty="0" smtClean="0"/>
+            <a:endParaRPr lang="en-US" altLang="zh-CN" dirty="0"/>
           </a:p>
           <a:p>
             <a:pPr lvl="1">
@@ -22687,10 +22513,10 @@
               <a:buChar char="•"/>
             </a:pPr>
             <a:r>
-              <a:rPr lang="zh-CN" altLang="en-US" dirty="0" smtClean="0"/>
+              <a:rPr lang="zh-CN" altLang="en-US" dirty="0"/>
               <a:t>待完成的模块：</a:t>
             </a:r>
-            <a:endParaRPr lang="en-US" altLang="zh-CN" dirty="0" smtClean="0"/>
+            <a:endParaRPr lang="en-US" altLang="zh-CN" dirty="0"/>
           </a:p>
           <a:p>
             <a:pPr lvl="1">
@@ -22707,10 +22533,10 @@
               <a:buChar char="Ø"/>
             </a:pPr>
             <a:r>
-              <a:rPr lang="zh-CN" altLang="en-US" dirty="0" smtClean="0"/>
+              <a:rPr lang="zh-CN" altLang="en-US" dirty="0"/>
               <a:t>用户个人信息</a:t>
             </a:r>
-            <a:endParaRPr lang="en-US" altLang="zh-CN" dirty="0" smtClean="0"/>
+            <a:endParaRPr lang="en-US" altLang="zh-CN" dirty="0"/>
           </a:p>
           <a:p>
             <a:pPr lvl="1">
@@ -22727,10 +22553,10 @@
               <a:buChar char="Ø"/>
             </a:pPr>
             <a:r>
-              <a:rPr lang="zh-CN" altLang="en-US" dirty="0" smtClean="0"/>
+              <a:rPr lang="zh-CN" altLang="en-US" dirty="0"/>
               <a:t>模板管理</a:t>
             </a:r>
-            <a:endParaRPr lang="en-US" altLang="zh-CN" dirty="0" smtClean="0"/>
+            <a:endParaRPr lang="en-US" altLang="zh-CN" dirty="0"/>
           </a:p>
         </p:txBody>
       </p:sp>
@@ -22781,13 +22607,6 @@
       </p:transition>
     </mc:Fallback>
   </mc:AlternateContent>
-  <p:timing>
-    <p:tnLst>
-      <p:par>
-        <p:cTn id="1" dur="indefinite" restart="never" nodeType="tmRoot"/>
-      </p:par>
-    </p:tnLst>
-  </p:timing>
 </p:sld>
 </file>
 
@@ -22830,20 +22649,16 @@
           <a:lstStyle/>
           <a:p>
             <a:r>
-              <a:rPr lang="zh-CN" altLang="en-US" dirty="0" smtClean="0"/>
+              <a:rPr lang="zh-CN" altLang="en-US" dirty="0"/>
               <a:t>梁远志</a:t>
             </a:r>
             <a:r>
-              <a:rPr lang="en-US" altLang="zh-CN" dirty="0" smtClean="0"/>
+              <a:rPr lang="en-US" altLang="zh-CN" dirty="0"/>
               <a:t>——</a:t>
             </a:r>
             <a:r>
-              <a:rPr lang="zh-CN" altLang="en-US" dirty="0" smtClean="0"/>
-              <a:t>调度</a:t>
-            </a:r>
-            <a:r>
               <a:rPr lang="zh-CN" altLang="en-US" dirty="0"/>
-              <a:t>器的类图</a:t>
+              <a:t>调度器的类图</a:t>
             </a:r>
             <a:endParaRPr lang="en-US" dirty="0"/>
           </a:p>
@@ -22979,13 +22794,6 @@
       </p:transition>
     </mc:Fallback>
   </mc:AlternateContent>
-  <p:timing>
-    <p:tnLst>
-      <p:par>
-        <p:cTn id="1" dur="indefinite" restart="never" nodeType="tmRoot"/>
-      </p:par>
-    </p:tnLst>
-  </p:timing>
 </p:sld>
 </file>
 
@@ -23036,12 +22844,8 @@
               <a:t>——</a:t>
             </a:r>
             <a:r>
-              <a:rPr lang="zh-CN" altLang="en-US" dirty="0" smtClean="0"/>
-              <a:t>调度</a:t>
-            </a:r>
-            <a:r>
               <a:rPr lang="zh-CN" altLang="en-US" dirty="0"/>
-              <a:t>器的接口设计</a:t>
+              <a:t>调度器的接口设计</a:t>
             </a:r>
             <a:endParaRPr lang="en-US" dirty="0"/>
           </a:p>
@@ -23101,13 +22905,6 @@
       </p:transition>
     </mc:Fallback>
   </mc:AlternateContent>
-  <p:timing>
-    <p:tnLst>
-      <p:par>
-        <p:cTn id="1" dur="indefinite" restart="never" nodeType="tmRoot"/>
-      </p:par>
-    </p:tnLst>
-  </p:timing>
 </p:sld>
 </file>
 
@@ -23158,12 +22955,8 @@
               <a:t>——</a:t>
             </a:r>
             <a:r>
-              <a:rPr lang="zh-CN" altLang="en-US" dirty="0" smtClean="0"/>
-              <a:t>调度</a:t>
-            </a:r>
-            <a:r>
               <a:rPr lang="zh-CN" altLang="en-US" dirty="0"/>
-              <a:t>器的任务处理逻辑</a:t>
+              <a:t>调度器的任务处理逻辑</a:t>
             </a:r>
             <a:endParaRPr lang="en-US" dirty="0"/>
           </a:p>
@@ -23223,13 +23016,6 @@
       </p:transition>
     </mc:Fallback>
   </mc:AlternateContent>
-  <p:timing>
-    <p:tnLst>
-      <p:par>
-        <p:cTn id="1" dur="indefinite" restart="never" nodeType="tmRoot"/>
-      </p:par>
-    </p:tnLst>
-  </p:timing>
 </p:sld>
 </file>
 
@@ -23268,32 +23054,20 @@
           <a:lstStyle/>
           <a:p>
             <a:r>
-              <a:rPr lang="zh-CN" altLang="en-US" dirty="0" smtClean="0"/>
+              <a:rPr lang="zh-CN" altLang="en-US" dirty="0"/>
               <a:t>沈一聪</a:t>
             </a:r>
             <a:r>
-              <a:rPr lang="en-US" altLang="zh-CN" dirty="0" smtClean="0"/>
+              <a:rPr lang="en-US" altLang="zh-CN" dirty="0"/>
               <a:t>——</a:t>
             </a:r>
             <a:r>
-              <a:rPr lang="en-US" altLang="zh-CN" dirty="0" err="1" smtClean="0"/>
+              <a:rPr lang="en-US" altLang="zh-CN" dirty="0" err="1"/>
               <a:t>Scrapy</a:t>
             </a:r>
             <a:r>
-              <a:rPr lang="zh-CN" altLang="en-US" dirty="0" smtClean="0"/>
-              <a:t>爬虫</a:t>
-            </a:r>
-            <a:r>
               <a:rPr lang="zh-CN" altLang="en-US" dirty="0"/>
-              <a:t>模板</a:t>
-            </a:r>
-            <a:r>
-              <a:rPr lang="zh-CN" altLang="en-US" dirty="0" smtClean="0"/>
-              <a:t>开发</a:t>
-            </a:r>
-            <a:r>
-              <a:rPr lang="zh-CN" altLang="en-US" dirty="0"/>
-              <a:t>流程</a:t>
+              <a:t>爬虫模板开发流程</a:t>
             </a:r>
           </a:p>
         </p:txBody>
@@ -23348,13 +23122,6 @@
       </p:transition>
     </mc:Fallback>
   </mc:AlternateContent>
-  <p:timing>
-    <p:tnLst>
-      <p:par>
-        <p:cTn id="1" dur="indefinite" restart="never" nodeType="tmRoot"/>
-      </p:par>
-    </p:tnLst>
-  </p:timing>
 </p:sld>
 </file>
 
@@ -23405,20 +23172,8 @@
               <a:t>Scrapy</a:t>
             </a:r>
             <a:r>
-              <a:rPr lang="zh-CN" altLang="en-US" dirty="0" smtClean="0"/>
-              <a:t>爬虫</a:t>
-            </a:r>
-            <a:r>
               <a:rPr lang="zh-CN" altLang="en-US" dirty="0"/>
-              <a:t>模板</a:t>
-            </a:r>
-            <a:r>
-              <a:rPr lang="zh-CN" altLang="en-US" dirty="0" smtClean="0"/>
-              <a:t>开发</a:t>
-            </a:r>
-            <a:r>
-              <a:rPr lang="zh-CN" altLang="en-US" dirty="0"/>
-              <a:t>流程</a:t>
+              <a:t>爬虫模板开发进度</a:t>
             </a:r>
           </a:p>
         </p:txBody>
@@ -23699,6 +23454,28 @@
               </a:rPr>
               <a:t>元素的处理；</a:t>
             </a:r>
+            <a:endParaRPr lang="en-US" altLang="zh-CN" kern="100" dirty="0">
+              <a:latin typeface="Times New Roman" panose="02020603050405020304" pitchFamily="18" charset="0"/>
+              <a:ea typeface="宋体" panose="02010600030101010101" pitchFamily="2" charset="-122"/>
+              <a:cs typeface="Times New Roman" panose="02020603050405020304" pitchFamily="18" charset="0"/>
+            </a:endParaRPr>
+          </a:p>
+          <a:p>
+            <a:pPr marL="342900" indent="-342900" algn="just">
+              <a:lnSpc>
+                <a:spcPct val="150000"/>
+              </a:lnSpc>
+              <a:buFont typeface="+mj-lt"/>
+              <a:buAutoNum type="alphaLcParenR"/>
+            </a:pPr>
+            <a:r>
+              <a:rPr lang="zh-CN" altLang="zh-CN" kern="100" dirty="0">
+                <a:latin typeface="Times New Roman" panose="02020603050405020304" pitchFamily="18" charset="0"/>
+                <a:ea typeface="宋体" panose="02010600030101010101" pitchFamily="2" charset="-122"/>
+                <a:cs typeface="Times New Roman" panose="02020603050405020304" pitchFamily="18" charset="0"/>
+              </a:rPr>
+              <a:t>实现了模拟登陆功能；</a:t>
+            </a:r>
           </a:p>
           <a:p>
             <a:pPr marL="342900" lvl="0" indent="-342900" algn="just">
@@ -23782,26 +23559,6 @@
               <a:t>本地日志存储功能；</a:t>
             </a:r>
           </a:p>
-          <a:p>
-            <a:pPr marL="342900" lvl="0" indent="-342900" algn="just">
-              <a:lnSpc>
-                <a:spcPct val="150000"/>
-              </a:lnSpc>
-              <a:spcAft>
-                <a:spcPts val="0"/>
-              </a:spcAft>
-              <a:buFont typeface="+mj-lt"/>
-              <a:buAutoNum type="alphaLcParenR"/>
-            </a:pPr>
-            <a:r>
-              <a:rPr lang="zh-CN" altLang="zh-CN" kern="100" dirty="0">
-                <a:latin typeface="Times New Roman" panose="02020603050405020304" pitchFamily="18" charset="0"/>
-                <a:ea typeface="宋体" panose="02010600030101010101" pitchFamily="2" charset="-122"/>
-                <a:cs typeface="Times New Roman" panose="02020603050405020304" pitchFamily="18" charset="0"/>
-              </a:rPr>
-              <a:t>实现了模拟登陆功能；</a:t>
-            </a:r>
-          </a:p>
         </p:txBody>
       </p:sp>
       <p:pic>
@@ -23856,7 +23613,7 @@
         </p:blipFill>
         <p:spPr>
           <a:xfrm>
-            <a:off x="4681286" y="4768856"/>
+            <a:off x="4680341" y="4285329"/>
             <a:ext cx="1681255" cy="483527"/>
           </a:xfrm>
           <a:prstGeom prst="rect">
@@ -24341,13 +24098,6 @@
       </p:transition>
     </mc:Fallback>
   </mc:AlternateContent>
-  <p:timing>
-    <p:tnLst>
-      <p:par>
-        <p:cTn id="1" dur="indefinite" restart="never" nodeType="tmRoot"/>
-      </p:par>
-    </p:tnLst>
-  </p:timing>
 </p:sld>
 </file>
 
@@ -24397,24 +24147,20 @@
           <a:lstStyle/>
           <a:p>
             <a:r>
-              <a:rPr lang="zh-CN" altLang="en-US" dirty="0" smtClean="0"/>
+              <a:rPr lang="zh-CN" altLang="en-US" dirty="0"/>
               <a:t>沈一聪</a:t>
             </a:r>
             <a:r>
-              <a:rPr lang="en-US" altLang="zh-CN" dirty="0" smtClean="0"/>
+              <a:rPr lang="en-US" altLang="zh-CN" dirty="0"/>
               <a:t>——</a:t>
             </a:r>
             <a:r>
-              <a:rPr lang="en-US" altLang="zh-CN" dirty="0" err="1" smtClean="0"/>
+              <a:rPr lang="en-US" altLang="zh-CN" dirty="0" err="1"/>
               <a:t>Scrapy</a:t>
             </a:r>
             <a:r>
-              <a:rPr lang="zh-CN" altLang="en-US" dirty="0" smtClean="0"/>
-              <a:t>爬虫模板开发</a:t>
-            </a:r>
-            <a:r>
               <a:rPr lang="zh-CN" altLang="en-US" dirty="0"/>
-              <a:t>进度</a:t>
+              <a:t>爬虫模板的设计</a:t>
             </a:r>
           </a:p>
         </p:txBody>
@@ -24893,13 +24639,6 @@
       </p:transition>
     </mc:Fallback>
   </mc:AlternateContent>
-  <p:timing>
-    <p:tnLst>
-      <p:par>
-        <p:cTn id="1" dur="indefinite" restart="never" nodeType="tmRoot"/>
-      </p:par>
-    </p:tnLst>
-  </p:timing>
 </p:sld>
 </file>
 
@@ -24966,18 +24705,14 @@
           <a:p>
             <a:r>
               <a:rPr lang="en-US" altLang="zh-CN" dirty="0"/>
-              <a:t>1</a:t>
+              <a:t>1.</a:t>
             </a:r>
             <a:r>
-              <a:rPr lang="en-US" altLang="zh-CN" dirty="0" smtClean="0"/>
-              <a:t>.</a:t>
-            </a:r>
-            <a:r>
-              <a:rPr lang="zh-CN" altLang="en-US" dirty="0" smtClean="0"/>
+              <a:rPr lang="zh-CN" altLang="en-US" dirty="0"/>
               <a:t>实验</a:t>
             </a:r>
             <a:r>
-              <a:rPr lang="en-US" altLang="zh-CN" dirty="0" smtClean="0"/>
+              <a:rPr lang="en-US" altLang="zh-CN" dirty="0"/>
               <a:t>6</a:t>
             </a:r>
             <a:endParaRPr lang="zh-CN" altLang="en-US" dirty="0"/>
@@ -25015,18 +24750,7 @@
                   </a:schemeClr>
                 </a:solidFill>
               </a:rPr>
-              <a:t>2</a:t>
-            </a:r>
-            <a:r>
-              <a:rPr lang="en-US" altLang="zh-CN" dirty="0" smtClean="0">
-                <a:solidFill>
-                  <a:schemeClr val="tx1">
-                    <a:lumMod val="25000"/>
-                    <a:lumOff val="75000"/>
-                  </a:schemeClr>
-                </a:solidFill>
-              </a:rPr>
-              <a:t>.</a:t>
+              <a:t>2.</a:t>
             </a:r>
             <a:r>
               <a:rPr lang="zh-CN" altLang="en-US" dirty="0">
@@ -25073,21 +24797,10 @@
                   </a:schemeClr>
                 </a:solidFill>
               </a:rPr>
-              <a:t>3</a:t>
+              <a:t>3.</a:t>
             </a:r>
             <a:r>
-              <a:rPr lang="en-US" altLang="zh-CN" dirty="0" smtClean="0">
-                <a:solidFill>
-                  <a:schemeClr val="tx1">
-                    <a:lumMod val="25000"/>
-                    <a:lumOff val="75000"/>
-                  </a:schemeClr>
-                </a:solidFill>
-              </a:rPr>
-              <a:t>.</a:t>
-            </a:r>
-            <a:r>
-              <a:rPr lang="zh-CN" altLang="en-US" dirty="0" smtClean="0">
+              <a:rPr lang="zh-CN" altLang="en-US" dirty="0">
                 <a:solidFill>
                   <a:schemeClr val="tx1">
                     <a:lumMod val="25000"/>
@@ -25097,14 +24810,6 @@
               </a:rPr>
               <a:t>开发进展</a:t>
             </a:r>
-            <a:endParaRPr lang="zh-CN" altLang="en-US" dirty="0">
-              <a:solidFill>
-                <a:schemeClr val="tx1">
-                  <a:lumMod val="25000"/>
-                  <a:lumOff val="75000"/>
-                </a:schemeClr>
-              </a:solidFill>
-            </a:endParaRPr>
           </a:p>
         </p:txBody>
       </p:sp>
@@ -25130,13 +24835,6 @@
       </p:transition>
     </mc:Fallback>
   </mc:AlternateContent>
-  <p:timing>
-    <p:tnLst>
-      <p:par>
-        <p:cTn id="1" dur="indefinite" restart="never" nodeType="tmRoot"/>
-      </p:par>
-    </p:tnLst>
-  </p:timing>
 </p:sld>
 </file>
 
@@ -25216,24 +24914,20 @@
           <a:lstStyle/>
           <a:p>
             <a:r>
-              <a:rPr lang="zh-CN" altLang="en-US" dirty="0" smtClean="0"/>
+              <a:rPr lang="zh-CN" altLang="en-US" dirty="0"/>
               <a:t>沈一聪</a:t>
             </a:r>
             <a:r>
-              <a:rPr lang="en-US" altLang="zh-CN" dirty="0" smtClean="0"/>
+              <a:rPr lang="en-US" altLang="zh-CN" dirty="0"/>
               <a:t>——</a:t>
             </a:r>
             <a:r>
-              <a:rPr lang="en-US" altLang="zh-CN" dirty="0" err="1" smtClean="0"/>
+              <a:rPr lang="en-US" altLang="zh-CN" dirty="0" err="1"/>
               <a:t>Scrapy</a:t>
             </a:r>
             <a:r>
-              <a:rPr lang="zh-CN" altLang="en-US" dirty="0" smtClean="0"/>
-              <a:t>爬虫模板部分</a:t>
-            </a:r>
-            <a:r>
               <a:rPr lang="zh-CN" altLang="en-US" dirty="0"/>
-              <a:t>结果展示</a:t>
+              <a:t>爬虫模板部分结果展示</a:t>
             </a:r>
           </a:p>
         </p:txBody>
@@ -25410,13 +25104,6 @@
       </p:transition>
     </mc:Fallback>
   </mc:AlternateContent>
-  <p:timing>
-    <p:tnLst>
-      <p:par>
-        <p:cTn id="1" dur="indefinite" restart="never" nodeType="tmRoot"/>
-      </p:par>
-    </p:tnLst>
-  </p:timing>
 </p:sld>
 </file>
 
@@ -25481,13 +25168,6 @@
       </p:transition>
     </mc:Fallback>
   </mc:AlternateContent>
-  <p:timing>
-    <p:tnLst>
-      <p:par>
-        <p:cTn id="1" dur="indefinite" restart="never" nodeType="tmRoot"/>
-      </p:par>
-    </p:tnLst>
-  </p:timing>
 </p:sld>
 </file>
 
@@ -25915,13 +25595,6 @@
       </p:transition>
     </mc:Fallback>
   </mc:AlternateContent>
-  <p:timing>
-    <p:tnLst>
-      <p:par>
-        <p:cTn id="1" dur="indefinite" restart="never" nodeType="tmRoot"/>
-      </p:par>
-    </p:tnLst>
-  </p:timing>
 </p:sld>
 </file>
 
@@ -25987,9 +25660,7 @@
             </a:extLst>
           </p:cNvPr>
           <p:cNvGraphicFramePr/>
-          <p:nvPr>
-            <p:extLst/>
-          </p:nvPr>
+          <p:nvPr/>
         </p:nvGraphicFramePr>
         <p:xfrm>
           <a:off x="673744" y="1490445"/>
@@ -26013,9 +25684,7 @@
           <p:cNvGraphicFramePr>
             <a:graphicFrameLocks/>
           </p:cNvGraphicFramePr>
-          <p:nvPr>
-            <p:extLst/>
-          </p:nvPr>
+          <p:nvPr/>
         </p:nvGraphicFramePr>
         <p:xfrm>
           <a:off x="-58886" y="1394146"/>
@@ -26039,9 +25708,7 @@
           <p:cNvGraphicFramePr>
             <a:graphicFrameLocks/>
           </p:cNvGraphicFramePr>
-          <p:nvPr>
-            <p:extLst/>
-          </p:nvPr>
+          <p:nvPr/>
         </p:nvGraphicFramePr>
         <p:xfrm>
           <a:off x="1323538" y="4558823"/>
@@ -26065,9 +25732,7 @@
           <p:cNvGraphicFramePr>
             <a:graphicFrameLocks/>
           </p:cNvGraphicFramePr>
-          <p:nvPr>
-            <p:extLst/>
-          </p:nvPr>
+          <p:nvPr/>
         </p:nvGraphicFramePr>
         <p:xfrm>
           <a:off x="2539712" y="1394147"/>
@@ -26091,9 +25756,7 @@
           <p:cNvGraphicFramePr>
             <a:graphicFrameLocks/>
           </p:cNvGraphicFramePr>
-          <p:nvPr>
-            <p:extLst/>
-          </p:nvPr>
+          <p:nvPr/>
         </p:nvGraphicFramePr>
         <p:xfrm>
           <a:off x="3832873" y="4558822"/>
@@ -26117,9 +25780,7 @@
           <p:cNvGraphicFramePr>
             <a:graphicFrameLocks/>
           </p:cNvGraphicFramePr>
-          <p:nvPr>
-            <p:extLst/>
-          </p:nvPr>
+          <p:nvPr/>
         </p:nvGraphicFramePr>
         <p:xfrm>
           <a:off x="5094246" y="1388713"/>
@@ -26143,9 +25804,7 @@
           <p:cNvGraphicFramePr>
             <a:graphicFrameLocks/>
           </p:cNvGraphicFramePr>
-          <p:nvPr>
-            <p:extLst/>
-          </p:nvPr>
+          <p:nvPr/>
         </p:nvGraphicFramePr>
         <p:xfrm>
           <a:off x="6395673" y="4558822"/>
@@ -26169,9 +25828,7 @@
           <p:cNvGraphicFramePr>
             <a:graphicFrameLocks/>
           </p:cNvGraphicFramePr>
-          <p:nvPr>
-            <p:extLst/>
-          </p:nvPr>
+          <p:nvPr/>
         </p:nvGraphicFramePr>
         <p:xfrm>
           <a:off x="7569880" y="1411733"/>
@@ -26195,9 +25852,7 @@
           <p:cNvGraphicFramePr>
             <a:graphicFrameLocks/>
           </p:cNvGraphicFramePr>
-          <p:nvPr>
-            <p:extLst/>
-          </p:nvPr>
+          <p:nvPr/>
         </p:nvGraphicFramePr>
         <p:xfrm>
           <a:off x="8905008" y="4557357"/>
@@ -26231,13 +25886,6 @@
       </p:transition>
     </mc:Fallback>
   </mc:AlternateContent>
-  <p:timing>
-    <p:tnLst>
-      <p:par>
-        <p:cTn id="1" dur="indefinite" restart="never" nodeType="tmRoot"/>
-      </p:par>
-    </p:tnLst>
-  </p:timing>
 </p:sld>
 </file>
 
@@ -26311,21 +25959,10 @@
                   </a:schemeClr>
                 </a:solidFill>
               </a:rPr>
-              <a:t>1</a:t>
+              <a:t>1.</a:t>
             </a:r>
             <a:r>
-              <a:rPr lang="en-US" altLang="zh-CN" dirty="0" smtClean="0">
-                <a:solidFill>
-                  <a:schemeClr val="tx1">
-                    <a:lumMod val="25000"/>
-                    <a:lumOff val="75000"/>
-                  </a:schemeClr>
-                </a:solidFill>
-              </a:rPr>
-              <a:t>.</a:t>
-            </a:r>
-            <a:r>
-              <a:rPr lang="zh-CN" altLang="en-US" dirty="0" smtClean="0">
+              <a:rPr lang="zh-CN" altLang="en-US" dirty="0">
                 <a:solidFill>
                   <a:schemeClr val="tx1">
                     <a:lumMod val="25000"/>
@@ -26336,7 +25973,7 @@
               <a:t>实验</a:t>
             </a:r>
             <a:r>
-              <a:rPr lang="en-US" altLang="zh-CN" dirty="0" smtClean="0">
+              <a:rPr lang="en-US" altLang="zh-CN" dirty="0">
                 <a:solidFill>
                   <a:schemeClr val="tx1">
                     <a:lumMod val="25000"/>
@@ -26381,17 +26018,12 @@
           <a:p>
             <a:r>
               <a:rPr lang="en-US" altLang="zh-CN" dirty="0"/>
-              <a:t>2</a:t>
+              <a:t>2.</a:t>
             </a:r>
             <a:r>
-              <a:rPr lang="en-US" altLang="zh-CN" dirty="0" smtClean="0"/>
-              <a:t>.</a:t>
-            </a:r>
-            <a:r>
-              <a:rPr lang="zh-CN" altLang="en-US" dirty="0" smtClean="0"/>
+              <a:rPr lang="zh-CN" altLang="en-US" dirty="0"/>
               <a:t>实验及个人总结</a:t>
             </a:r>
-            <a:endParaRPr lang="zh-CN" altLang="en-US" dirty="0"/>
           </a:p>
         </p:txBody>
       </p:sp>
@@ -26426,21 +26058,10 @@
                   </a:schemeClr>
                 </a:solidFill>
               </a:rPr>
-              <a:t>3</a:t>
+              <a:t>3.</a:t>
             </a:r>
             <a:r>
-              <a:rPr lang="en-US" altLang="zh-CN" dirty="0" smtClean="0">
-                <a:solidFill>
-                  <a:schemeClr val="tx1">
-                    <a:lumMod val="25000"/>
-                    <a:lumOff val="75000"/>
-                  </a:schemeClr>
-                </a:solidFill>
-              </a:rPr>
-              <a:t>.</a:t>
-            </a:r>
-            <a:r>
-              <a:rPr lang="zh-CN" altLang="en-US" dirty="0" smtClean="0">
+              <a:rPr lang="zh-CN" altLang="en-US" dirty="0">
                 <a:solidFill>
                   <a:schemeClr val="tx1">
                     <a:lumMod val="25000"/>
@@ -26450,14 +26071,6 @@
               </a:rPr>
               <a:t>开发进展</a:t>
             </a:r>
-            <a:endParaRPr lang="zh-CN" altLang="en-US" dirty="0">
-              <a:solidFill>
-                <a:schemeClr val="tx1">
-                  <a:lumMod val="25000"/>
-                  <a:lumOff val="75000"/>
-                </a:schemeClr>
-              </a:solidFill>
-            </a:endParaRPr>
           </a:p>
         </p:txBody>
       </p:sp>
@@ -26483,13 +26096,6 @@
       </p:transition>
     </mc:Fallback>
   </mc:AlternateContent>
-  <p:timing>
-    <p:tnLst>
-      <p:par>
-        <p:cTn id="1" dur="indefinite" restart="never" nodeType="tmRoot"/>
-      </p:par>
-    </p:tnLst>
-  </p:timing>
 </p:sld>
 </file>
 
@@ -26526,10 +26132,9 @@
           <a:lstStyle/>
           <a:p>
             <a:r>
-              <a:rPr lang="zh-CN" altLang="en-US" dirty="0" smtClean="0"/>
+              <a:rPr lang="zh-CN" altLang="en-US" dirty="0"/>
               <a:t>针对实验及个人的总结分析</a:t>
             </a:r>
-            <a:endParaRPr lang="zh-CN" altLang="en-US" dirty="0"/>
           </a:p>
         </p:txBody>
       </p:sp>
@@ -26549,10 +26154,9 @@
           <a:lstStyle/>
           <a:p>
             <a:r>
-              <a:rPr lang="zh-CN" altLang="en-US" dirty="0" smtClean="0"/>
+              <a:rPr lang="zh-CN" altLang="en-US" dirty="0"/>
               <a:t>各实验工时对比</a:t>
             </a:r>
-            <a:endParaRPr lang="zh-CN" altLang="en-US" dirty="0"/>
           </a:p>
         </p:txBody>
       </p:sp>
@@ -26572,10 +26176,9 @@
           <a:lstStyle/>
           <a:p>
             <a:r>
-              <a:rPr lang="zh-CN" altLang="en-US" dirty="0" smtClean="0"/>
+              <a:rPr lang="zh-CN" altLang="en-US" dirty="0"/>
               <a:t>个组员工作量对比</a:t>
             </a:r>
-            <a:endParaRPr lang="zh-CN" altLang="en-US" dirty="0"/>
           </a:p>
         </p:txBody>
       </p:sp>
@@ -26657,13 +26260,6 @@
       </p:transition>
     </mc:Fallback>
   </mc:AlternateContent>
-  <p:timing>
-    <p:tnLst>
-      <p:par>
-        <p:cTn id="1" dur="indefinite" restart="never" nodeType="tmRoot"/>
-      </p:par>
-    </p:tnLst>
-  </p:timing>
 </p:sld>
 </file>
 
@@ -26733,60 +26329,8 @@
               </a:spcAft>
             </a:pPr>
             <a:r>
-              <a:rPr lang="zh-CN" altLang="en-US" dirty="0" smtClean="0"/>
+              <a:rPr lang="zh-CN" altLang="en-US" dirty="0"/>
               <a:t>后续将考虑如何使工作量分配更为合理</a:t>
-            </a:r>
-            <a:endParaRPr lang="en-US" altLang="zh-CN" dirty="0" smtClean="0"/>
-          </a:p>
-          <a:p>
-            <a:pPr lvl="1">
-              <a:lnSpc>
-                <a:spcPct val="150000"/>
-              </a:lnSpc>
-              <a:spcBef>
-                <a:spcPts val="0"/>
-              </a:spcBef>
-              <a:spcAft>
-                <a:spcPts val="0"/>
-              </a:spcAft>
-              <a:buFont typeface="Wingdings" panose="05000000000000000000" pitchFamily="2" charset="2"/>
-              <a:buChar char="Ø"/>
-            </a:pPr>
-            <a:r>
-              <a:rPr lang="zh-CN" altLang="en-US" dirty="0"/>
-              <a:t>各部分工作量的</a:t>
-            </a:r>
-            <a:r>
-              <a:rPr lang="zh-CN" altLang="en-US" dirty="0" smtClean="0"/>
-              <a:t>权重</a:t>
-            </a:r>
-            <a:endParaRPr lang="en-US" altLang="zh-CN" dirty="0" smtClean="0"/>
-          </a:p>
-          <a:p>
-            <a:pPr lvl="1">
-              <a:lnSpc>
-                <a:spcPct val="150000"/>
-              </a:lnSpc>
-              <a:spcBef>
-                <a:spcPts val="0"/>
-              </a:spcBef>
-              <a:spcAft>
-                <a:spcPts val="0"/>
-              </a:spcAft>
-              <a:buFont typeface="Wingdings" panose="05000000000000000000" pitchFamily="2" charset="2"/>
-              <a:buChar char="Ø"/>
-            </a:pPr>
-            <a:r>
-              <a:rPr lang="zh-CN" altLang="en-US" dirty="0" smtClean="0"/>
-              <a:t>每</a:t>
-            </a:r>
-            <a:r>
-              <a:rPr lang="zh-CN" altLang="en-US" dirty="0"/>
-              <a:t>种编程语言的难度</a:t>
-            </a:r>
-            <a:r>
-              <a:rPr lang="zh-CN" altLang="en-US" dirty="0" smtClean="0"/>
-              <a:t>系数</a:t>
             </a:r>
             <a:endParaRPr lang="en-US" altLang="zh-CN" dirty="0"/>
           </a:p>
@@ -26805,12 +26349,48 @@
               <a:buChar char="Ø"/>
             </a:pPr>
             <a:r>
-              <a:rPr lang="zh-CN" altLang="en-US" dirty="0" smtClean="0"/>
-              <a:t>测试</a:t>
+              <a:rPr lang="zh-CN" altLang="en-US" dirty="0"/>
+              <a:t>各部分工作量的权重</a:t>
             </a:r>
+            <a:endParaRPr lang="en-US" altLang="zh-CN" dirty="0"/>
+          </a:p>
+          <a:p>
+            <a:pPr lvl="1">
+              <a:lnSpc>
+                <a:spcPct val="150000"/>
+              </a:lnSpc>
+              <a:spcBef>
+                <a:spcPts val="0"/>
+              </a:spcBef>
+              <a:spcAft>
+                <a:spcPts val="0"/>
+              </a:spcAft>
+              <a:buFont typeface="Wingdings" panose="05000000000000000000" pitchFamily="2" charset="2"/>
+              <a:buChar char="Ø"/>
+            </a:pPr>
             <a:r>
               <a:rPr lang="zh-CN" altLang="en-US" dirty="0"/>
-              <a:t>部分的工作量分配</a:t>
+              <a:t>每种编程语言的难度系数</a:t>
+            </a:r>
+            <a:endParaRPr lang="en-US" altLang="zh-CN" dirty="0"/>
+          </a:p>
+          <a:p>
+            <a:pPr lvl="1">
+              <a:lnSpc>
+                <a:spcPct val="150000"/>
+              </a:lnSpc>
+              <a:spcBef>
+                <a:spcPts val="0"/>
+              </a:spcBef>
+              <a:spcAft>
+                <a:spcPts val="0"/>
+              </a:spcAft>
+              <a:buFont typeface="Wingdings" panose="05000000000000000000" pitchFamily="2" charset="2"/>
+              <a:buChar char="Ø"/>
+            </a:pPr>
+            <a:r>
+              <a:rPr lang="zh-CN" altLang="en-US" dirty="0"/>
+              <a:t>测试部分的工作量分配</a:t>
             </a:r>
           </a:p>
         </p:txBody>
@@ -26936,21 +26516,10 @@
                   </a:schemeClr>
                 </a:solidFill>
               </a:rPr>
-              <a:t>1</a:t>
+              <a:t>1.</a:t>
             </a:r>
             <a:r>
-              <a:rPr lang="en-US" altLang="zh-CN" dirty="0" smtClean="0">
-                <a:solidFill>
-                  <a:schemeClr val="tx1">
-                    <a:lumMod val="25000"/>
-                    <a:lumOff val="75000"/>
-                  </a:schemeClr>
-                </a:solidFill>
-              </a:rPr>
-              <a:t>.</a:t>
-            </a:r>
-            <a:r>
-              <a:rPr lang="zh-CN" altLang="en-US" dirty="0" smtClean="0">
+              <a:rPr lang="zh-CN" altLang="en-US" dirty="0">
                 <a:solidFill>
                   <a:schemeClr val="tx1">
                     <a:lumMod val="25000"/>
@@ -26961,7 +26530,7 @@
               <a:t>实验</a:t>
             </a:r>
             <a:r>
-              <a:rPr lang="en-US" altLang="zh-CN" dirty="0" smtClean="0">
+              <a:rPr lang="en-US" altLang="zh-CN" dirty="0">
                 <a:solidFill>
                   <a:schemeClr val="tx1">
                     <a:lumMod val="25000"/>
@@ -27013,18 +26582,7 @@
                   </a:schemeClr>
                 </a:solidFill>
               </a:rPr>
-              <a:t>2</a:t>
-            </a:r>
-            <a:r>
-              <a:rPr lang="en-US" altLang="zh-CN" dirty="0" smtClean="0">
-                <a:solidFill>
-                  <a:schemeClr val="tx1">
-                    <a:lumMod val="25000"/>
-                    <a:lumOff val="75000"/>
-                  </a:schemeClr>
-                </a:solidFill>
-              </a:rPr>
-              <a:t>.</a:t>
+              <a:t>2.</a:t>
             </a:r>
             <a:r>
               <a:rPr lang="zh-CN" altLang="en-US" dirty="0">
@@ -27035,27 +26593,8 @@
                   </a:schemeClr>
                 </a:solidFill>
               </a:rPr>
-              <a:t>实验及个人</a:t>
+              <a:t>实验及个人总结</a:t>
             </a:r>
-            <a:r>
-              <a:rPr lang="zh-CN" altLang="en-US" dirty="0" smtClean="0">
-                <a:solidFill>
-                  <a:schemeClr val="tx1">
-                    <a:lumMod val="25000"/>
-                    <a:lumOff val="75000"/>
-                  </a:schemeClr>
-                </a:solidFill>
-              </a:rPr>
-              <a:t>总结</a:t>
-            </a:r>
-            <a:endParaRPr lang="zh-CN" altLang="en-US" dirty="0">
-              <a:solidFill>
-                <a:schemeClr val="tx1">
-                  <a:lumMod val="25000"/>
-                  <a:lumOff val="75000"/>
-                </a:schemeClr>
-              </a:solidFill>
-            </a:endParaRPr>
           </a:p>
         </p:txBody>
       </p:sp>
@@ -27083,17 +26622,12 @@
           <a:p>
             <a:r>
               <a:rPr lang="en-US" altLang="zh-CN" dirty="0"/>
-              <a:t>3</a:t>
+              <a:t>3.</a:t>
             </a:r>
             <a:r>
-              <a:rPr lang="en-US" altLang="zh-CN" dirty="0" smtClean="0"/>
-              <a:t>.</a:t>
-            </a:r>
-            <a:r>
-              <a:rPr lang="zh-CN" altLang="en-US" dirty="0" smtClean="0"/>
+              <a:rPr lang="zh-CN" altLang="en-US" dirty="0"/>
               <a:t>开发进展</a:t>
             </a:r>
-            <a:endParaRPr lang="zh-CN" altLang="en-US" dirty="0"/>
           </a:p>
         </p:txBody>
       </p:sp>
@@ -27119,13 +26653,6 @@
       </p:transition>
     </mc:Fallback>
   </mc:AlternateContent>
-  <p:timing>
-    <p:tnLst>
-      <p:par>
-        <p:cTn id="1" dur="indefinite" restart="never" nodeType="tmRoot"/>
-      </p:par>
-    </p:tnLst>
-  </p:timing>
 </p:sld>
 </file>
 
@@ -27168,20 +26695,16 @@
           <a:lstStyle/>
           <a:p>
             <a:r>
-              <a:rPr lang="zh-CN" altLang="en-US" dirty="0" smtClean="0"/>
+              <a:rPr lang="zh-CN" altLang="en-US" dirty="0"/>
               <a:t>宋冰晨</a:t>
             </a:r>
             <a:r>
-              <a:rPr lang="en-US" altLang="zh-CN" dirty="0" smtClean="0"/>
+              <a:rPr lang="en-US" altLang="zh-CN" dirty="0"/>
               <a:t>——</a:t>
             </a:r>
             <a:r>
-              <a:rPr lang="zh-CN" altLang="en-US" dirty="0" smtClean="0"/>
-              <a:t>普通</a:t>
-            </a:r>
-            <a:r>
               <a:rPr lang="zh-CN" altLang="en-US" dirty="0"/>
-              <a:t>用户</a:t>
+              <a:t>普通用户</a:t>
             </a:r>
             <a:r>
               <a:rPr lang="en-US" altLang="zh-CN" dirty="0"/>
@@ -27615,13 +27138,6 @@
       </p:transition>
     </mc:Fallback>
   </mc:AlternateContent>
-  <p:timing>
-    <p:tnLst>
-      <p:par>
-        <p:cTn id="1" dur="indefinite" restart="never" nodeType="tmRoot"/>
-      </p:par>
-    </p:tnLst>
-  </p:timing>
 </p:sld>
 </file>
 
